--- a/PastaDocumentosProjetos/Parmera.pptx
+++ b/PastaDocumentosProjetos/Parmera.pptx
@@ -104,6 +104,11 @@
       </a:defRPr>
     </a:lvl9pPr>
   </p:defaultTextStyle>
+  <p:extLst>
+    <p:ext uri="{EFAFB233-063F-42B5-8137-9DF3F51BA10A}">
+      <p15:sldGuideLst xmlns:p15="http://schemas.microsoft.com/office/powerpoint/2012/main"/>
+    </p:ext>
+  </p:extLst>
 </p:presentation>
 </file>
 
@@ -729,6 +734,266 @@
 </inkml:ink>
 </file>
 
+<file path=ppt/ink/ink30.xml><?xml version="1.0" encoding="utf-8"?>
+<inkml:ink xmlns:inkml="http://www.w3.org/2003/InkML">
+  <inkml:definitions>
+    <inkml:context xml:id="ctx0">
+      <inkml:inkSource xml:id="inkSrc0">
+        <inkml:traceFormat>
+          <inkml:channel name="X" type="integer" min="-2.14748E9" max="2.14748E9" units="cm"/>
+          <inkml:channel name="Y" type="integer" min="-2.14748E9" max="2.14748E9" units="cm"/>
+        </inkml:traceFormat>
+        <inkml:channelProperties>
+          <inkml:channelProperty channel="X" name="resolution" value="1000" units="1/cm"/>
+          <inkml:channelProperty channel="Y" name="resolution" value="1000" units="1/cm"/>
+        </inkml:channelProperties>
+      </inkml:inkSource>
+      <inkml:timestamp xml:id="ts0" timeString="2024-03-25T13:51:18.725"/>
+    </inkml:context>
+    <inkml:brush xml:id="br0">
+      <inkml:brushProperty name="width" value="0.05" units="cm"/>
+      <inkml:brushProperty name="height" value="0.05" units="cm"/>
+      <inkml:brushProperty name="ignorePressure" value="1"/>
+    </inkml:brush>
+  </inkml:definitions>
+  <inkml:trace contextRef="#ctx0" brushRef="#br0">0 1,'6'0,"8"0,1 0</inkml:trace>
+</inkml:ink>
+</file>
+
+<file path=ppt/ink/ink31.xml><?xml version="1.0" encoding="utf-8"?>
+<inkml:ink xmlns:inkml="http://www.w3.org/2003/InkML">
+  <inkml:definitions>
+    <inkml:context xml:id="ctx0">
+      <inkml:inkSource xml:id="inkSrc0">
+        <inkml:traceFormat>
+          <inkml:channel name="X" type="integer" min="-2.14748E9" max="2.14748E9" units="cm"/>
+          <inkml:channel name="Y" type="integer" min="-2.14748E9" max="2.14748E9" units="cm"/>
+        </inkml:traceFormat>
+        <inkml:channelProperties>
+          <inkml:channelProperty channel="X" name="resolution" value="1000" units="1/cm"/>
+          <inkml:channelProperty channel="Y" name="resolution" value="1000" units="1/cm"/>
+        </inkml:channelProperties>
+      </inkml:inkSource>
+      <inkml:timestamp xml:id="ts0" timeString="2024-03-25T13:51:21.519"/>
+    </inkml:context>
+    <inkml:brush xml:id="br0">
+      <inkml:brushProperty name="width" value="0.05" units="cm"/>
+      <inkml:brushProperty name="height" value="0.05" units="cm"/>
+      <inkml:brushProperty name="ignorePressure" value="1"/>
+    </inkml:brush>
+  </inkml:definitions>
+  <inkml:trace contextRef="#ctx0" brushRef="#br0">0 2109,'9'1,"0"1,0 0,-1 0,1 1,-1 0,16 9,16 4,-3-6,2-1,-1-2,1-2,0-2,0-1,76-7,-96 2,0-1,-1-1,1 0,-1-1,0-1,-1-1,0-1,0 0,-1-1,29-23,-10 4,-2-1,-1-2,44-56,-38 31,-2-1,-3-1,48-122,-20 44,6-10,59-188,-106 267,-3 0,-2-2,-4 1,-3-2,-1-94,-10 120,1 24,0 0,2 0,2-25,-1 42,-1 0,1 0,-1 0,1 0,0 0,1 0,-1 1,1-1,0 0,0 1,0-1,0 1,0 0,1 0,0 0,-1 0,1 0,0 0,0 1,1-1,-1 1,5-2,8-2,0 0,1 2,-1 0,1 1,0 1,20-1,112 5,-81 0,88 0,157 24,-175-13,252-9,-203-7,28 5,212-5,-351-2,-1-3,0-4,0-2,-1-4,-1-4,77-33,-103 31,-37 18,0 0,0 1,1 0,-1 0,1 1,0 1,1 0,-1 0,19-1,-27 4,0 1,0 0,0 0,0 0,0 0,-1 1,1-1,0 1,-1 0,1 0,-1-1,0 2,0-1,0 0,0 0,0 1,0-1,0 1,-1-1,1 1,-1 0,0 0,0 0,0-1,0 1,0 5,4 11,-1 1,1 36,-4-49,4 225,-6-143,4-1,16 93,-9-124,2-1,3 0,40 97,109 142,-87-167,-61-104,0 0,2-1,1-1,1-1,1-1,0 0,1-2,2-1,-1 0,2-2,44 21,7-3,0-4,151 36,13-9,417 41,-611-94,0-1,0-3,0-2,0-1,73-17,-94 14,-1-1,0 0,0-2,-1-1,0-1,-1-1,-1 0,0-2,0 0,-2-2,27-27,-35 24,-11 20,0-1,0 1,0-1,0 1,0-1,0 1,0-1,0 1,0-1,0 1,-1-1,1 1,0-1,0 1,-1 0,1-1,0 1,-1-1,1 1,0 0,-1-1,1 1,0 0,-1-1,1 1,-1 0,1 0,-1-1,1 1,-1 0,1 0,-1 0,1 0,-1 0,1 0,-1 0,-23-2</inkml:trace>
+</inkml:ink>
+</file>
+
+<file path=ppt/ink/ink32.xml><?xml version="1.0" encoding="utf-8"?>
+<inkml:ink xmlns:inkml="http://www.w3.org/2003/InkML">
+  <inkml:definitions>
+    <inkml:context xml:id="ctx0">
+      <inkml:inkSource xml:id="inkSrc0">
+        <inkml:traceFormat>
+          <inkml:channel name="X" type="integer" min="-2.14748E9" max="2.14748E9" units="cm"/>
+          <inkml:channel name="Y" type="integer" min="-2.14748E9" max="2.14748E9" units="cm"/>
+        </inkml:traceFormat>
+        <inkml:channelProperties>
+          <inkml:channelProperty channel="X" name="resolution" value="1000" units="1/cm"/>
+          <inkml:channelProperty channel="Y" name="resolution" value="1000" units="1/cm"/>
+        </inkml:channelProperties>
+      </inkml:inkSource>
+      <inkml:timestamp xml:id="ts0" timeString="2024-03-25T13:51:25.218"/>
+    </inkml:context>
+    <inkml:brush xml:id="br0">
+      <inkml:brushProperty name="width" value="0.05" units="cm"/>
+      <inkml:brushProperty name="height" value="0.05" units="cm"/>
+      <inkml:brushProperty name="ignorePressure" value="1"/>
+    </inkml:brush>
+  </inkml:definitions>
+  <inkml:trace contextRef="#ctx0" brushRef="#br0">1 0,'0'3919,"2"-3858,2 1,21 101,46 111,-19-79,-29-112,4-1,67 140,103 142,-122-233,111 188,-112-210,142 160,-22-32,8 44,-170-237,1-2,2-2,2-1,2-2,1-1,60 40,-46-40,2-3,1-3,1-1,120 38,124 26,-66-7,-107-45,139 35,-46-11,-143-39,84 16,-123-34,134 19,-154-26,0 0,1-2,-1 0,0-1,0-1,35-10,24-18,-1-4,138-84,-100 52,320-163,-125 67,-278 143,0-1,-2-2,-1-1,0-2,-2-1,-2-1,0-1,33-49,-16 22,-26 36,-2 0,0-1,-2 0,19-39,150-317,-86 191,-10 18,42-87,-93 167,42-166,-65 193,-4-1,-1 1,-4-1,-5-75,1 56,13-130,29 6,-25 138,-2-1,8-136,-25-82,4-154,37 123,-7 78,21-111,-29 216,84-466,-44 304,34-203,-91 433,-2-73,0 3,12-8,2-36,-11-37,-7 202</inkml:trace>
+</inkml:ink>
+</file>
+
+<file path=ppt/ink/ink33.xml><?xml version="1.0" encoding="utf-8"?>
+<inkml:ink xmlns:inkml="http://www.w3.org/2003/InkML">
+  <inkml:definitions>
+    <inkml:context xml:id="ctx0">
+      <inkml:inkSource xml:id="inkSrc0">
+        <inkml:traceFormat>
+          <inkml:channel name="X" type="integer" min="-2.14748E9" max="2.14748E9" units="cm"/>
+          <inkml:channel name="Y" type="integer" min="-2.14748E9" max="2.14748E9" units="cm"/>
+        </inkml:traceFormat>
+        <inkml:channelProperties>
+          <inkml:channelProperty channel="X" name="resolution" value="1000" units="1/cm"/>
+          <inkml:channelProperty channel="Y" name="resolution" value="1000" units="1/cm"/>
+        </inkml:channelProperties>
+      </inkml:inkSource>
+      <inkml:timestamp xml:id="ts0" timeString="2024-03-25T13:51:27.346"/>
+    </inkml:context>
+    <inkml:brush xml:id="br0">
+      <inkml:brushProperty name="width" value="0.05" units="cm"/>
+      <inkml:brushProperty name="height" value="0.05" units="cm"/>
+      <inkml:brushProperty name="ignorePressure" value="1"/>
+    </inkml:brush>
+  </inkml:definitions>
+  <inkml:trace contextRef="#ctx0" brushRef="#br0">0 0,'4'1,"-1"-1,1 1,-1 0,0 0,1 0,-1 0,0 0,0 1,0 0,0-1,0 1,0 0,-1 0,1 1,-1-1,1 1,-1-1,0 1,0 0,0 0,0 0,2 5,5 9,-2 0,11 35,-13-36,22 67,-4 1,-4 1,-3 0,7 157,-23 3,-3-196,-2-1,-22 94,15-105,1-13</inkml:trace>
+</inkml:ink>
+</file>
+
+<file path=ppt/ink/ink34.xml><?xml version="1.0" encoding="utf-8"?>
+<inkml:ink xmlns:inkml="http://www.w3.org/2003/InkML">
+  <inkml:definitions>
+    <inkml:context xml:id="ctx0">
+      <inkml:inkSource xml:id="inkSrc0">
+        <inkml:traceFormat>
+          <inkml:channel name="X" type="integer" min="-2.14748E9" max="2.14748E9" units="cm"/>
+          <inkml:channel name="Y" type="integer" min="-2.14748E9" max="2.14748E9" units="cm"/>
+        </inkml:traceFormat>
+        <inkml:channelProperties>
+          <inkml:channelProperty channel="X" name="resolution" value="1000" units="1/cm"/>
+          <inkml:channelProperty channel="Y" name="resolution" value="1000" units="1/cm"/>
+        </inkml:channelProperties>
+      </inkml:inkSource>
+      <inkml:timestamp xml:id="ts0" timeString="2024-03-25T13:51:28.566"/>
+    </inkml:context>
+    <inkml:brush xml:id="br0">
+      <inkml:brushProperty name="width" value="0.05" units="cm"/>
+      <inkml:brushProperty name="height" value="0.05" units="cm"/>
+      <inkml:brushProperty name="ignorePressure" value="1"/>
+    </inkml:brush>
+  </inkml:definitions>
+  <inkml:trace contextRef="#ctx0" brushRef="#br0">1 36,'173'14,"-47"-1,625-6,-661-13,145-28,-191 22,-32 8,0 0,1 1,21-3,-30 6,0 0,0 0,0 0,1 1,-1 0,0-1,0 1,0 1,0-1,0 1,-1-1,1 1,0 0,-1 0,6 5,9 9,-1 0,-1 2,0 0,25 39,43 89,-62-100,-3 1,-1 0,-3 1,-1 1,-3 0,-2 1,-2 0,-2 0,-3 71,-2 32,-3 80,1-209,-2 0,-1 0,-2 0,0 0,-1-1,-1 0,-19 34,7-19,-2-2,-2 0,-42 47,62-77,0-1,0 1,-1-1,0-1,0 1,0-1,0 0,-1-1,1 1,-1-1,0-1,-8 3,-32 3</inkml:trace>
+</inkml:ink>
+</file>
+
+<file path=ppt/ink/ink35.xml><?xml version="1.0" encoding="utf-8"?>
+<inkml:ink xmlns:inkml="http://www.w3.org/2003/InkML">
+  <inkml:definitions>
+    <inkml:context xml:id="ctx0">
+      <inkml:inkSource xml:id="inkSrc0">
+        <inkml:traceFormat>
+          <inkml:channel name="X" type="integer" min="-2.14748E9" max="2.14748E9" units="cm"/>
+          <inkml:channel name="Y" type="integer" min="-2.14748E9" max="2.14748E9" units="cm"/>
+        </inkml:traceFormat>
+        <inkml:channelProperties>
+          <inkml:channelProperty channel="X" name="resolution" value="1000" units="1/cm"/>
+          <inkml:channelProperty channel="Y" name="resolution" value="1000" units="1/cm"/>
+        </inkml:channelProperties>
+      </inkml:inkSource>
+      <inkml:timestamp xml:id="ts0" timeString="2024-03-25T13:51:29.567"/>
+    </inkml:context>
+    <inkml:brush xml:id="br0">
+      <inkml:brushProperty name="width" value="0.05" units="cm"/>
+      <inkml:brushProperty name="height" value="0.05" units="cm"/>
+      <inkml:brushProperty name="ignorePressure" value="1"/>
+    </inkml:brush>
+  </inkml:definitions>
+  <inkml:trace contextRef="#ctx0" brushRef="#br0">1 1,'6'0,"32"0,51 0,47 6,25 2,-4 6,-23 0,-27-2,-26-3,-21-4,-15-1,-15-3</inkml:trace>
+</inkml:ink>
+</file>
+
+<file path=ppt/ink/ink36.xml><?xml version="1.0" encoding="utf-8"?>
+<inkml:ink xmlns:inkml="http://www.w3.org/2003/InkML">
+  <inkml:definitions>
+    <inkml:context xml:id="ctx0">
+      <inkml:inkSource xml:id="inkSrc0">
+        <inkml:traceFormat>
+          <inkml:channel name="X" type="integer" min="-2.14748E9" max="2.14748E9" units="cm"/>
+          <inkml:channel name="Y" type="integer" min="-2.14748E9" max="2.14748E9" units="cm"/>
+        </inkml:traceFormat>
+        <inkml:channelProperties>
+          <inkml:channelProperty channel="X" name="resolution" value="1000" units="1/cm"/>
+          <inkml:channelProperty channel="Y" name="resolution" value="1000" units="1/cm"/>
+        </inkml:channelProperties>
+      </inkml:inkSource>
+      <inkml:timestamp xml:id="ts0" timeString="2024-03-25T13:51:30.573"/>
+    </inkml:context>
+    <inkml:brush xml:id="br0">
+      <inkml:brushProperty name="width" value="0.05" units="cm"/>
+      <inkml:brushProperty name="height" value="0.05" units="cm"/>
+      <inkml:brushProperty name="ignorePressure" value="1"/>
+    </inkml:brush>
+  </inkml:definitions>
+  <inkml:trace contextRef="#ctx0" brushRef="#br0">0 0,'4'1,"-1"0,1 0,-1 0,0 0,1 1,-1-1,0 1,0 0,0 0,0 0,0 0,-1 0,1 1,-1-1,4 6,35 48,-38-52,10 17,-2 0,0 1,-2 0,0 0,7 34,21 126,-17-67,-8-62,-4 2,-1-1,-3 1,-3 0,-2-1,-2 1,-13 67,15-114,-2 1,1 0,-1 0,-1-1,1 0,-1 0,-9 13,-8 3</inkml:trace>
+</inkml:ink>
+</file>
+
+<file path=ppt/ink/ink37.xml><?xml version="1.0" encoding="utf-8"?>
+<inkml:ink xmlns:inkml="http://www.w3.org/2003/InkML">
+  <inkml:definitions>
+    <inkml:context xml:id="ctx0">
+      <inkml:inkSource xml:id="inkSrc0">
+        <inkml:traceFormat>
+          <inkml:channel name="X" type="integer" min="-2.14748E9" max="2.14748E9" units="cm"/>
+          <inkml:channel name="Y" type="integer" min="-2.14748E9" max="2.14748E9" units="cm"/>
+        </inkml:traceFormat>
+        <inkml:channelProperties>
+          <inkml:channelProperty channel="X" name="resolution" value="1000" units="1/cm"/>
+          <inkml:channelProperty channel="Y" name="resolution" value="1000" units="1/cm"/>
+        </inkml:channelProperties>
+      </inkml:inkSource>
+      <inkml:timestamp xml:id="ts0" timeString="2024-03-25T13:51:31.170"/>
+    </inkml:context>
+    <inkml:brush xml:id="br0">
+      <inkml:brushProperty name="width" value="0.05" units="cm"/>
+      <inkml:brushProperty name="height" value="0.05" units="cm"/>
+      <inkml:brushProperty name="ignorePressure" value="1"/>
+    </inkml:brush>
+  </inkml:definitions>
+  <inkml:trace contextRef="#ctx0" brushRef="#br0">0 0,'106'4,"132"20,102 35,-321-55,28 3,0-3,55-1,-53-3,77 10,-93-3</inkml:trace>
+</inkml:ink>
+</file>
+
+<file path=ppt/ink/ink38.xml><?xml version="1.0" encoding="utf-8"?>
+<inkml:ink xmlns:inkml="http://www.w3.org/2003/InkML">
+  <inkml:definitions>
+    <inkml:context xml:id="ctx0">
+      <inkml:inkSource xml:id="inkSrc0">
+        <inkml:traceFormat>
+          <inkml:channel name="X" type="integer" min="-2.14748E9" max="2.14748E9" units="cm"/>
+          <inkml:channel name="Y" type="integer" min="-2.14748E9" max="2.14748E9" units="cm"/>
+        </inkml:traceFormat>
+        <inkml:channelProperties>
+          <inkml:channelProperty channel="X" name="resolution" value="1000" units="1/cm"/>
+          <inkml:channelProperty channel="Y" name="resolution" value="1000" units="1/cm"/>
+        </inkml:channelProperties>
+      </inkml:inkSource>
+      <inkml:timestamp xml:id="ts0" timeString="2024-03-25T13:51:31.922"/>
+    </inkml:context>
+    <inkml:brush xml:id="br0">
+      <inkml:brushProperty name="width" value="0.05" units="cm"/>
+      <inkml:brushProperty name="height" value="0.05" units="cm"/>
+      <inkml:brushProperty name="ignorePressure" value="1"/>
+    </inkml:brush>
+  </inkml:definitions>
+  <inkml:trace contextRef="#ctx0" brushRef="#br0">0 936,'701'-19,"-32"1,-551 12,199-35,-195 22,-110 17,0 0,1-1,-2 0,1-1,0 0,-1-1,16-8,-24 11,-1 1,1-1,-1 0,1 0,-1-1,0 1,0 0,0-1,0 1,0-1,0 0,-1 1,1-1,-1 0,0 0,0 0,0 0,0 0,-1 0,1 0,-1 0,0-1,1 1,-2 0,1 0,0 0,-1 0,1 0,-1-1,0 1,0 0,0 0,-3-5,-7-17,1-2,1 1,1-1,-6-41,2 3,-25-77,-11-57,40 134,3 12</inkml:trace>
+</inkml:ink>
+</file>
+
+<file path=ppt/ink/ink39.xml><?xml version="1.0" encoding="utf-8"?>
+<inkml:ink xmlns:inkml="http://www.w3.org/2003/InkML">
+  <inkml:definitions>
+    <inkml:context xml:id="ctx0">
+      <inkml:inkSource xml:id="inkSrc0">
+        <inkml:traceFormat>
+          <inkml:channel name="X" type="integer" min="-2.14748E9" max="2.14748E9" units="cm"/>
+          <inkml:channel name="Y" type="integer" min="-2.14748E9" max="2.14748E9" units="cm"/>
+        </inkml:traceFormat>
+        <inkml:channelProperties>
+          <inkml:channelProperty channel="X" name="resolution" value="1000" units="1/cm"/>
+          <inkml:channelProperty channel="Y" name="resolution" value="1000" units="1/cm"/>
+        </inkml:channelProperties>
+      </inkml:inkSource>
+      <inkml:timestamp xml:id="ts0" timeString="2024-03-25T13:51:34.572"/>
+    </inkml:context>
+    <inkml:brush xml:id="br0">
+      <inkml:brushProperty name="width" value="0.05" units="cm"/>
+      <inkml:brushProperty name="height" value="0.05" units="cm"/>
+      <inkml:brushProperty name="ignorePressure" value="1"/>
+    </inkml:brush>
+  </inkml:definitions>
+  <inkml:trace contextRef="#ctx0" brushRef="#br0">2729 11,'1'-1,"0"0,0 0,0 0,0 0,0 1,0-1,0 0,0 1,0-1,0 1,0-1,0 1,1-1,-1 1,0 0,0 0,0 0,1 0,-1 0,0 0,0 0,0 0,1 0,-1 0,0 0,0 1,0-1,3 2,-1 0,0 0,1 0,-1 1,0-1,0 1,0 0,-1 0,1 0,2 4,5 9,-1-1,14 34,-14-23,-1 0,-2 1,0 0,-1 0,1 39,-8 143,-2-106,3-80,-2 0,-1 0,0 0,-2 0,0-1,-2 0,0 0,-2-1,0 0,-1-1,-1 0,-1-1,-1 0,-19 19,8-11,-1-1,-2-1,0-1,-2-2,0-1,-1-1,-1-1,-41 16,53-28,1-1,-1 0,-1-1,1-2,-38 3,-106-8,72-2,-45 5,-102-4,-5-28,-78-7,147 5,121 20,0 3,-69-4,52 11,-91-16,109 12,0 3,-54 2,-25-1,129 3,-1 0,1-1,-1 1,1-1,-1 0,1 0,0 0,-1-1,1 1,0-1,0 1,0-1,0 0,0 0,0-1,1 1,-1-1,1 1,-1-1,1 0,0 0,0 1,0-2,1 1,-1 0,1 0,0 0,0-1,0 1,-1-4,-1-11,1 0,1 0,1 1,3-34,-1 14,-1 10,1 0,1-1,1 1,1 0,14-39,-4 32</inkml:trace>
+</inkml:ink>
+</file>
+
 <file path=ppt/ink/ink4.xml><?xml version="1.0" encoding="utf-8"?>
 <inkml:ink xmlns:inkml="http://www.w3.org/2003/InkML">
   <inkml:definitions>
@@ -756,6 +1021,267 @@
 </inkml:ink>
 </file>
 
+<file path=ppt/ink/ink40.xml><?xml version="1.0" encoding="utf-8"?>
+<inkml:ink xmlns:inkml="http://www.w3.org/2003/InkML">
+  <inkml:definitions>
+    <inkml:context xml:id="ctx0">
+      <inkml:inkSource xml:id="inkSrc0">
+        <inkml:traceFormat>
+          <inkml:channel name="X" type="integer" min="-2.14748E9" max="2.14748E9" units="cm"/>
+          <inkml:channel name="Y" type="integer" min="-2.14748E9" max="2.14748E9" units="cm"/>
+        </inkml:traceFormat>
+        <inkml:channelProperties>
+          <inkml:channelProperty channel="X" name="resolution" value="1000" units="1/cm"/>
+          <inkml:channelProperty channel="Y" name="resolution" value="1000" units="1/cm"/>
+        </inkml:channelProperties>
+      </inkml:inkSource>
+      <inkml:timestamp xml:id="ts0" timeString="2024-03-25T13:51:38.692"/>
+    </inkml:context>
+    <inkml:brush xml:id="br0">
+      <inkml:brushProperty name="width" value="0.05" units="cm"/>
+      <inkml:brushProperty name="height" value="0.05" units="cm"/>
+      <inkml:brushProperty name="ignorePressure" value="1"/>
+    </inkml:brush>
+  </inkml:definitions>
+  <inkml:trace contextRef="#ctx0" brushRef="#br0">144 126,'3'150,"-7"163,4-311,0 1,0-1,0 0,0 1,0-1,-1 1,1-1,-1 0,0 1,0-1,0 0,0 0,0 1,0-1,-1 0,1 0,0 0,-1 0,0-1,0 1,1 0,-1-1,0 1,0-1,0 0,0 1,-1-1,1 0,0 0,-5 1,4-2,0-1,0 1,0-1,0 1,0-1,0 0,0 0,0 0,1 0,-1-1,0 1,1-1,-1 0,1 1,-1-1,1 0,0-1,0 1,0 0,0-1,0 1,1-1,-1 1,-1-4,-5-15,1 1,1-1,1 0,1-1,-2-35,6 66,2 38,12 75,-11-107,1 0,0 0,2 0,-1 0,2-1,-1 0,2 0,0-1,11 13,44 61,-35-47,35 39,-52-67,0-1,1 0,1 0,-1-1,2-1,0 0,17 8,-2-5,1 0,1-3,-1 0,42 6,126 4,-170-17,98 14,33 1,84-19,96 4,-195 14,32 1,626-14,-413-5,-360 2,0-1,0-1,0-1,49-12,-68 12,-1-1,1 1,-1-1,0-1,0 0,-1 0,1-1,-1 0,0 0,-1-1,0 0,0-1,0 1,-1-1,0 0,0-1,5-11,2-8,-2 0,-1-1,-1 0,-1-1,-1 0,3-44,-5-185,-6 198,1 50,0 0,-2 0,1 0,-1 0,-1 0,0 0,-1 0,0 1,0-1,-1 1,0 0,-1 1,0-1,-1 1,0 0,-10-9,5 7,0 1,-1 0,0 1,-1 1,0 0,0 0,-1 1,0 1,0 1,-27-6,18 5,1-1,0-1,0-1,-23-12,33 14,1 0,1-1,-1 0,1-1,1 0,0-1,0 0,-13-18,18 21,0 0,0 0,0 0,-1 1,0 0,-1 0,1 1,-1 0,0 0,0 1,-1-1,-11-4,12 7,0 1,0 0,0 0,0 0,0 1,0 0,0 0,-1 0,1 1,0 1,0-1,0 1,1 0,-1 0,-7 4,-44 21,43-18,-1-2,1 0,-1-1,-1 0,1-2,-34 6,-22-6,-45 6,-29 3,90-10,-83 16,-126 25,184-28,0-3,-1-3,-143-2,55-11,-340 6,330 18,82-7,-30 8,92-16</inkml:trace>
+</inkml:ink>
+</file>
+
+<file path=ppt/ink/ink41.xml><?xml version="1.0" encoding="utf-8"?>
+<inkml:ink xmlns:inkml="http://www.w3.org/2003/InkML">
+  <inkml:definitions>
+    <inkml:context xml:id="ctx0">
+      <inkml:inkSource xml:id="inkSrc0">
+        <inkml:traceFormat>
+          <inkml:channel name="X" type="integer" min="-2.14748E9" max="2.14748E9" units="cm"/>
+          <inkml:channel name="Y" type="integer" min="-2.14748E9" max="2.14748E9" units="cm"/>
+        </inkml:traceFormat>
+        <inkml:channelProperties>
+          <inkml:channelProperty channel="X" name="resolution" value="1000" units="1/cm"/>
+          <inkml:channelProperty channel="Y" name="resolution" value="1000" units="1/cm"/>
+        </inkml:channelProperties>
+      </inkml:inkSource>
+      <inkml:timestamp xml:id="ts0" timeString="2024-03-25T13:51:39.274"/>
+    </inkml:context>
+    <inkml:brush xml:id="br0">
+      <inkml:brushProperty name="width" value="0.05" units="cm"/>
+      <inkml:brushProperty name="height" value="0.05" units="cm"/>
+      <inkml:brushProperty name="ignorePressure" value="1"/>
+    </inkml:brush>
+  </inkml:definitions>
+  <inkml:trace contextRef="#ctx0" brushRef="#br0">0 1,'1'10,"1"0,-1-1,1 1,1 0,0-1,5 13,8 25,-1 40,-4 2,-3-1,-6 118,0-21,-1-176,-2 3,2 1,0-1,0 0,1 0,7 22,-9-33,0-1,1 1,-1 0,0 0,1 0,-1-1,1 1,0 0,-1 0,1-1,-1 1,1 0,0-1,-1 1,1-1,0 1,0-1,0 0,-1 1,1-1,0 1,0-1,0 0,0 0,0 0,-1 0,1 1,0-1,0 0,0 0,1-1,29-14,-1-8,-1-2,-2-1,0-1,25-34,-15 18,36-41</inkml:trace>
+</inkml:ink>
+</file>
+
+<file path=ppt/ink/ink42.xml><?xml version="1.0" encoding="utf-8"?>
+<inkml:ink xmlns:inkml="http://www.w3.org/2003/InkML">
+  <inkml:definitions>
+    <inkml:context xml:id="ctx0">
+      <inkml:inkSource xml:id="inkSrc0">
+        <inkml:traceFormat>
+          <inkml:channel name="X" type="integer" min="-2.14748E9" max="2.14748E9" units="cm"/>
+          <inkml:channel name="Y" type="integer" min="-2.14748E9" max="2.14748E9" units="cm"/>
+        </inkml:traceFormat>
+        <inkml:channelProperties>
+          <inkml:channelProperty channel="X" name="resolution" value="1000" units="1/cm"/>
+          <inkml:channelProperty channel="Y" name="resolution" value="1000" units="1/cm"/>
+        </inkml:channelProperties>
+      </inkml:inkSource>
+      <inkml:timestamp xml:id="ts0" timeString="2024-03-25T13:51:39.851"/>
+    </inkml:context>
+    <inkml:brush xml:id="br0">
+      <inkml:brushProperty name="width" value="0.05" units="cm"/>
+      <inkml:brushProperty name="height" value="0.05" units="cm"/>
+      <inkml:brushProperty name="ignorePressure" value="1"/>
+    </inkml:brush>
+  </inkml:definitions>
+  <inkml:trace contextRef="#ctx0" brushRef="#br0">36 0,'0'1088,"0"-1075,0 0,-1 0,0 0,-1 0,-1 0,0-1,-8 20,-4-1</inkml:trace>
+</inkml:ink>
+</file>
+
+<file path=ppt/ink/ink43.xml><?xml version="1.0" encoding="utf-8"?>
+<inkml:ink xmlns:inkml="http://www.w3.org/2003/InkML">
+  <inkml:definitions>
+    <inkml:context xml:id="ctx0">
+      <inkml:inkSource xml:id="inkSrc0">
+        <inkml:traceFormat>
+          <inkml:channel name="X" type="integer" min="-2.14748E9" max="2.14748E9" units="cm"/>
+          <inkml:channel name="Y" type="integer" min="-2.14748E9" max="2.14748E9" units="cm"/>
+        </inkml:traceFormat>
+        <inkml:channelProperties>
+          <inkml:channelProperty channel="X" name="resolution" value="1000" units="1/cm"/>
+          <inkml:channelProperty channel="Y" name="resolution" value="1000" units="1/cm"/>
+        </inkml:channelProperties>
+      </inkml:inkSource>
+      <inkml:timestamp xml:id="ts0" timeString="2024-03-25T13:51:51.521"/>
+    </inkml:context>
+    <inkml:brush xml:id="br0">
+      <inkml:brushProperty name="width" value="0.05" units="cm"/>
+      <inkml:brushProperty name="height" value="0.05" units="cm"/>
+      <inkml:brushProperty name="ignorePressure" value="1"/>
+    </inkml:brush>
+  </inkml:definitions>
+  <inkml:trace contextRef="#ctx0" brushRef="#br0">3583 1,'-6'0,"-1"0,1 1,0 0,-1 1,1-1,0 1,0 0,0 1,0-1,0 1,1 0,-1 1,-6 5,-5 5,1 1,-23 29,19-22,-511 635,-14 68,486-654,4 2,-68 119,100-156,-3-1,-1 0,-1-2,-2-2,-1 0,-2-2,-64 45,72-57,2 2,-39 37,53-45,0 1,0-1,1 2,0-1,1 1,0 0,-7 22,-4 10,-3 0,-47 76,20-40,-65 96,27-46,-105 128,0-1,159-207,-10 22,-4-2,-3-3,-94 103,-61 57,120-130,-106 156,123-159,50-72</inkml:trace>
+</inkml:ink>
+</file>
+
+<file path=ppt/ink/ink44.xml><?xml version="1.0" encoding="utf-8"?>
+<inkml:ink xmlns:inkml="http://www.w3.org/2003/InkML">
+  <inkml:definitions>
+    <inkml:context xml:id="ctx0">
+      <inkml:inkSource xml:id="inkSrc0">
+        <inkml:traceFormat>
+          <inkml:channel name="X" type="integer" min="-2.14748E9" max="2.14748E9" units="cm"/>
+          <inkml:channel name="Y" type="integer" min="-2.14748E9" max="2.14748E9" units="cm"/>
+        </inkml:traceFormat>
+        <inkml:channelProperties>
+          <inkml:channelProperty channel="X" name="resolution" value="1000" units="1/cm"/>
+          <inkml:channelProperty channel="Y" name="resolution" value="1000" units="1/cm"/>
+        </inkml:channelProperties>
+      </inkml:inkSource>
+      <inkml:timestamp xml:id="ts0" timeString="2024-03-25T13:51:52.376"/>
+    </inkml:context>
+    <inkml:brush xml:id="br0">
+      <inkml:brushProperty name="width" value="0.05" units="cm"/>
+      <inkml:brushProperty name="height" value="0.05" units="cm"/>
+      <inkml:brushProperty name="ignorePressure" value="1"/>
+    </inkml:brush>
+  </inkml:definitions>
+  <inkml:trace contextRef="#ctx0" brushRef="#br0">1266 1,'-2'35,"-1"0,-2-1,-1 1,-2-1,-1-1,-17 40,-94 188,119-260,-297 539,57-112,206-362,3 2,3 1,3 1,3 1,3 1,-17 125,29-154,-2-1,-1 0,-3-1,-21 46,-6 19,-98 272,134-367,0 1,-1 0,0-1,-1 0,0-1,0 1,-12 11,-5 0</inkml:trace>
+</inkml:ink>
+</file>
+
+<file path=ppt/ink/ink45.xml><?xml version="1.0" encoding="utf-8"?>
+<inkml:ink xmlns:inkml="http://www.w3.org/2003/InkML">
+  <inkml:definitions>
+    <inkml:context xml:id="ctx0">
+      <inkml:inkSource xml:id="inkSrc0">
+        <inkml:traceFormat>
+          <inkml:channel name="X" type="integer" min="-2.14748E9" max="2.14748E9" units="cm"/>
+          <inkml:channel name="Y" type="integer" min="-2.14748E9" max="2.14748E9" units="cm"/>
+        </inkml:traceFormat>
+        <inkml:channelProperties>
+          <inkml:channelProperty channel="X" name="resolution" value="1000" units="1/cm"/>
+          <inkml:channelProperty channel="Y" name="resolution" value="1000" units="1/cm"/>
+        </inkml:channelProperties>
+      </inkml:inkSource>
+      <inkml:timestamp xml:id="ts0" timeString="2024-03-25T13:51:42.450"/>
+    </inkml:context>
+    <inkml:brush xml:id="br0">
+      <inkml:brushProperty name="width" value="0.05" units="cm"/>
+      <inkml:brushProperty name="height" value="0.05" units="cm"/>
+      <inkml:brushProperty name="ignorePressure" value="1"/>
+    </inkml:brush>
+  </inkml:definitions>
+  <inkml:trace contextRef="#ctx0" brushRef="#br0">536 1,'-40'-1,"0"3,-1 1,1 1,0 3,1 1,0 2,-72 28,102-32,-1 0,1 0,1 1,-1 1,1-1,0 1,1 0,0 1,0 0,1 0,0 0,1 1,0 0,0 0,1 0,-3 14,0-3,2 0,0 1,2 0,0 0,2 0,0 0,3 26,-2-43,1 1,0 0,0-1,1 1,0-1,0 1,0-1,0 0,1 0,0 0,0 0,0 0,1-1,-1 1,1-1,5 4,-1-2,-1-1,2 1,-1-2,0 1,1-1,0-1,0 1,18 3,7-2,0-1,1-1,-1-2,43-4,-59 3,0-2,0 0,0-1,0-1,0 0,-1-1,0-1,0-1,0-1,26-16,-21 6</inkml:trace>
+</inkml:ink>
+</file>
+
+<file path=ppt/ink/ink46.xml><?xml version="1.0" encoding="utf-8"?>
+<inkml:ink xmlns:inkml="http://www.w3.org/2003/InkML">
+  <inkml:definitions>
+    <inkml:context xml:id="ctx0">
+      <inkml:inkSource xml:id="inkSrc0">
+        <inkml:traceFormat>
+          <inkml:channel name="X" type="integer" min="-2.14748E9" max="2.14748E9" units="cm"/>
+          <inkml:channel name="Y" type="integer" min="-2.14748E9" max="2.14748E9" units="cm"/>
+        </inkml:traceFormat>
+        <inkml:channelProperties>
+          <inkml:channelProperty channel="X" name="resolution" value="1000" units="1/cm"/>
+          <inkml:channelProperty channel="Y" name="resolution" value="1000" units="1/cm"/>
+        </inkml:channelProperties>
+      </inkml:inkSource>
+      <inkml:timestamp xml:id="ts0" timeString="2024-03-25T13:51:43.790"/>
+    </inkml:context>
+    <inkml:brush xml:id="br0">
+      <inkml:brushProperty name="width" value="0.05" units="cm"/>
+      <inkml:brushProperty name="height" value="0.05" units="cm"/>
+      <inkml:brushProperty name="ignorePressure" value="1"/>
+    </inkml:brush>
+  </inkml:definitions>
+  <inkml:trace contextRef="#ctx0" brushRef="#br0">703 130,'-9'-7,"1"0,-1 0,0 1,-1 0,1 1,-1 0,0 1,-1 0,-11-3,-20-4,-43-5,37 8,-15-6,41 8,0 1,0 1,-1 0,1 2,-38 1,58 1,-1 0,1 0,0 1,0-1,0 0,-1 1,1 0,0-1,0 1,0 0,0 0,0 0,0 1,0-1,1 0,-1 1,0-1,1 1,-1-1,1 1,-1 0,1 0,-2 3,2-2,0 1,1-1,-1 0,1 0,0 1,0-1,0 0,0 1,1-1,-1 0,1 0,0 1,0-1,2 4,4 8,0 0,2 0,-1-1,2 0,11 13,-11-16,1 0,0-1,1-1,14 10,-16-14,-1 2,-1-1,1 1,-1 0,0 1,-1 0,0 0,0 0,9 16,-11-12,-1-1,0 0,-1 1,0 0,0 0,-2 0,2 16,-3 1,-4 54,3-79,0 0,0 0,0 0,-1-1,1 1,-1-1,0 1,0-1,0 0,0 1,-1-1,1 0,-1 0,0-1,0 1,0-1,0 1,0-1,0 0,-1 0,1 0,-1-1,1 1,-1-1,0 0,0 0,1 0,-1 0,-5 0,-15 2,0-1,-1-2,-38-2,37 0,-83-2,78 4</inkml:trace>
+</inkml:ink>
+</file>
+
+<file path=ppt/ink/ink47.xml><?xml version="1.0" encoding="utf-8"?>
+<inkml:ink xmlns:inkml="http://www.w3.org/2003/InkML">
+  <inkml:definitions>
+    <inkml:context xml:id="ctx0">
+      <inkml:inkSource xml:id="inkSrc0">
+        <inkml:traceFormat>
+          <inkml:channel name="X" type="integer" min="-2.14748E9" max="2.14748E9" units="cm"/>
+          <inkml:channel name="Y" type="integer" min="-2.14748E9" max="2.14748E9" units="cm"/>
+        </inkml:traceFormat>
+        <inkml:channelProperties>
+          <inkml:channelProperty channel="X" name="resolution" value="1000" units="1/cm"/>
+          <inkml:channelProperty channel="Y" name="resolution" value="1000" units="1/cm"/>
+        </inkml:channelProperties>
+      </inkml:inkSource>
+      <inkml:timestamp xml:id="ts0" timeString="2024-03-25T13:51:44.744"/>
+    </inkml:context>
+    <inkml:brush xml:id="br0">
+      <inkml:brushProperty name="width" value="0.05" units="cm"/>
+      <inkml:brushProperty name="height" value="0.05" units="cm"/>
+      <inkml:brushProperty name="ignorePressure" value="1"/>
+    </inkml:brush>
+  </inkml:definitions>
+  <inkml:trace contextRef="#ctx0" brushRef="#br0">0 26,'1'-2,"-1"1,0 0,0 0,1 0,-1 0,0 0,1 0,-1 0,1 0,-1 0,1 0,0 0,-1 0,1 0,0 0,0 0,0 1,0-1,-1 0,1 1,0-1,0 0,0 1,0-1,1 1,-1 0,0-1,0 1,0 0,0 0,0-1,0 1,2 0,1 0,-1 0,1 0,0 0,-1 0,1 0,-1 1,1 0,-1 0,6 2,0 2,-1 1,0-1,0 2,0-1,-1 1,0 1,0-1,8 13,43 73,-49-77,227 461,-210-420,99 201,-123-255,-1 0,0-1,0 1,1 0,-1-1,1 1,0-1,0 0,0 0,0 1,0-1,0-1,1 1,-1 0,1 0,-1-1,1 0,0 1,-1-1,1 0,0 0,0-1,0 1,0 0,0-1,0 0,0 0,0 0,0 0,0 0,-1 0,1-1,0 0,0 1,0-1,0 0,0 0,-1-1,1 1,-1 0,1-1,-1 0,1 0,2-3,11-7,-1 0,-1-1,0-1,-1 0,17-25,49-86,-68 107,14-27,-2-2,-2 0,-2-2,-2 0,-3 0,-2-2,-1 0,5-93,-15 128,-2 11</inkml:trace>
+</inkml:ink>
+</file>
+
+<file path=ppt/ink/ink48.xml><?xml version="1.0" encoding="utf-8"?>
+<inkml:ink xmlns:inkml="http://www.w3.org/2003/InkML">
+  <inkml:definitions>
+    <inkml:context xml:id="ctx0">
+      <inkml:inkSource xml:id="inkSrc0">
+        <inkml:traceFormat>
+          <inkml:channel name="X" type="integer" min="-2.14748E9" max="2.14748E9" units="cm"/>
+          <inkml:channel name="Y" type="integer" min="-2.14748E9" max="2.14748E9" units="cm"/>
+        </inkml:traceFormat>
+        <inkml:channelProperties>
+          <inkml:channelProperty channel="X" name="resolution" value="1000" units="1/cm"/>
+          <inkml:channelProperty channel="Y" name="resolution" value="1000" units="1/cm"/>
+        </inkml:channelProperties>
+      </inkml:inkSource>
+      <inkml:timestamp xml:id="ts0" timeString="2024-03-25T13:51:53.046"/>
+    </inkml:context>
+    <inkml:brush xml:id="br0">
+      <inkml:brushProperty name="width" value="0.05" units="cm"/>
+      <inkml:brushProperty name="height" value="0.05" units="cm"/>
+      <inkml:brushProperty name="ignorePressure" value="1"/>
+    </inkml:brush>
+  </inkml:definitions>
+  <inkml:trace contextRef="#ctx0" brushRef="#br0">844 1,'0'7,"-1"0,0 1,-1-1,0 0,0 0,-1 0,1 0,-2 0,1-1,-8 11,-50 63,46-62,-181 243,127-165,-144 153,64-82,135-152,2 0,0 0,0 1,2 1,0 0,0 0,2 1,0 0,-6 22,14-32,6-15,23-43,9-25</inkml:trace>
+</inkml:ink>
+</file>
+
+<file path=ppt/ink/ink49.xml><?xml version="1.0" encoding="utf-8"?>
+<inkml:ink xmlns:inkml="http://www.w3.org/2003/InkML">
+  <inkml:definitions>
+    <inkml:context xml:id="ctx0">
+      <inkml:inkSource xml:id="inkSrc0">
+        <inkml:traceFormat>
+          <inkml:channel name="X" type="integer" min="-2.14748E9" max="2.14748E9" units="cm"/>
+          <inkml:channel name="Y" type="integer" min="-2.14748E9" max="2.14748E9" units="cm"/>
+        </inkml:traceFormat>
+        <inkml:channelProperties>
+          <inkml:channelProperty channel="X" name="resolution" value="1000" units="1/cm"/>
+          <inkml:channelProperty channel="Y" name="resolution" value="1000" units="1/cm"/>
+        </inkml:channelProperties>
+      </inkml:inkSource>
+      <inkml:timestamp xml:id="ts0" timeString="2024-03-25T13:51:56.495"/>
+    </inkml:context>
+    <inkml:brush xml:id="br0">
+      <inkml:brushProperty name="width" value="0.05" units="cm"/>
+      <inkml:brushProperty name="height" value="0.05" units="cm"/>
+      <inkml:brushProperty name="color" value="#E71224"/>
+      <inkml:brushProperty name="ignorePressure" value="1"/>
+    </inkml:brush>
+  </inkml:definitions>
+  <inkml:trace contextRef="#ctx0" brushRef="#br0">0 0,'0'6,"0"8,0 14,0 14,0 11,0 4,0-3,0-4,0-5,0-9</inkml:trace>
+</inkml:ink>
+</file>
+
 <file path=ppt/ink/ink5.xml><?xml version="1.0" encoding="utf-8"?>
 <inkml:ink xmlns:inkml="http://www.w3.org/2003/InkML">
   <inkml:definitions>
@@ -780,6 +1306,276 @@
     </inkml:brush>
   </inkml:definitions>
   <inkml:trace contextRef="#ctx0" brushRef="#br0">2 1,'0'11,"-1"-2,1 0,0 0,1 0,0 1,1-1,2 9,-3-14,1-2,0 1,-1 0,1 0,0 0,0-1,0 1,1-1,-1 0,0 1,1-1,0 0,0 0,-1-1,1 1,0-1,0 1,0-1,1 0,3 1,19 4,1 0,-1-2,1-1,-1-2,37-1,133-20,-174 16,0-1,0-1,-1-1,0 0,0-2,34-19,-42 22,0 0,0 2,0-1,1 2,-1 0,1 0,24-1,105 5,-74 2,52-2,14-1,170 22,-264-17,0 3,0 1,-1 3,-1 1,0 1,0 2,-2 2,53 34,-84-47,0 0,0 0,-1 0,1 1,-1-1,-1 1,1 1,-1-1,0 1,0-1,-1 1,0 0,0 0,-1 1,1-1,-2 1,3 13,-2 9,-1 0,-1 0,-6 40,0 4,6-7,0-23,-7 62,6-94,-2 0,1-1,-1 1,-1-1,0 0,0 0,-1 0,-1-1,0 1,-8 10,10-17,0 0,0-1,0 1,0-1,-1 0,1 0,-1 0,0-1,0 1,0-1,0-1,0 1,-1-1,-8 2,-10 0,0-1,-27-2,24 0,-80-2,0-4,1-5,0-5,-162-46,249 57,-4-1,0-1,0-2,-42-21,60 27,0 0,0 0,0 0,1-1,-1 0,1 0,0 0,0-1,0 1,1-1,0 0,0 0,0 0,0 0,1 0,0-1,0 1,0-1,1 1,0-1,-1-11,10-141,0 41,-8 110,0 0,1 0,0-1,0 1,0 1,1-1,5-13,-5 17,-1 1,1 0,-1-1,1 1,0 0,0 0,0 0,0 0,0 0,0 1,1-1,-1 0,1 1,-1 0,1 0,-1 0,1 0,0 0,-1 0,1 0,0 1,0 0,4-1,29 3,1 5</inkml:trace>
+</inkml:ink>
+</file>
+
+<file path=ppt/ink/ink50.xml><?xml version="1.0" encoding="utf-8"?>
+<inkml:ink xmlns:inkml="http://www.w3.org/2003/InkML">
+  <inkml:definitions>
+    <inkml:context xml:id="ctx0">
+      <inkml:inkSource xml:id="inkSrc0">
+        <inkml:traceFormat>
+          <inkml:channel name="X" type="integer" min="-2.14748E9" max="2.14748E9" units="cm"/>
+          <inkml:channel name="Y" type="integer" min="-2.14748E9" max="2.14748E9" units="cm"/>
+        </inkml:traceFormat>
+        <inkml:channelProperties>
+          <inkml:channelProperty channel="X" name="resolution" value="1000" units="1/cm"/>
+          <inkml:channelProperty channel="Y" name="resolution" value="1000" units="1/cm"/>
+        </inkml:channelProperties>
+      </inkml:inkSource>
+      <inkml:timestamp xml:id="ts0" timeString="2024-03-25T13:51:57.644"/>
+    </inkml:context>
+    <inkml:brush xml:id="br0">
+      <inkml:brushProperty name="width" value="0.05" units="cm"/>
+      <inkml:brushProperty name="height" value="0.05" units="cm"/>
+      <inkml:brushProperty name="color" value="#E71224"/>
+      <inkml:brushProperty name="ignorePressure" value="1"/>
+    </inkml:brush>
+  </inkml:definitions>
+  <inkml:trace contextRef="#ctx0" brushRef="#br0">0 1,'2'0,"-1"1,1 0,-1-1,0 1,1 0,-1 0,0-1,0 1,0 0,0 1,0-1,0 0,0 0,0 0,0 0,0 1,-1-1,1 0,0 1,-1-1,1 1,-1-1,0 1,1-1,-1 0,0 3,7 48,-6-44,5 418,-9-233,3-89,0-75</inkml:trace>
+</inkml:ink>
+</file>
+
+<file path=ppt/ink/ink51.xml><?xml version="1.0" encoding="utf-8"?>
+<inkml:ink xmlns:inkml="http://www.w3.org/2003/InkML">
+  <inkml:definitions>
+    <inkml:context xml:id="ctx0">
+      <inkml:inkSource xml:id="inkSrc0">
+        <inkml:traceFormat>
+          <inkml:channel name="X" type="integer" min="-2.14748E9" max="2.14748E9" units="cm"/>
+          <inkml:channel name="Y" type="integer" min="-2.14748E9" max="2.14748E9" units="cm"/>
+        </inkml:traceFormat>
+        <inkml:channelProperties>
+          <inkml:channelProperty channel="X" name="resolution" value="1000" units="1/cm"/>
+          <inkml:channelProperty channel="Y" name="resolution" value="1000" units="1/cm"/>
+        </inkml:channelProperties>
+      </inkml:inkSource>
+      <inkml:timestamp xml:id="ts0" timeString="2024-03-25T13:51:58.268"/>
+    </inkml:context>
+    <inkml:brush xml:id="br0">
+      <inkml:brushProperty name="width" value="0.05" units="cm"/>
+      <inkml:brushProperty name="height" value="0.05" units="cm"/>
+      <inkml:brushProperty name="color" value="#E71224"/>
+      <inkml:brushProperty name="ignorePressure" value="1"/>
+    </inkml:brush>
+  </inkml:definitions>
+  <inkml:trace contextRef="#ctx0" brushRef="#br0">0 35,'6'0,"8"0,14 0,13 0,13 0,8 0,0 0,2 0,-4 0,-1-6,-4-2,-5 1,-18 1,-26 1,-14 3</inkml:trace>
+</inkml:ink>
+</file>
+
+<file path=ppt/ink/ink52.xml><?xml version="1.0" encoding="utf-8"?>
+<inkml:ink xmlns:inkml="http://www.w3.org/2003/InkML">
+  <inkml:definitions>
+    <inkml:context xml:id="ctx0">
+      <inkml:inkSource xml:id="inkSrc0">
+        <inkml:traceFormat>
+          <inkml:channel name="X" type="integer" min="-2.14748E9" max="2.14748E9" units="cm"/>
+          <inkml:channel name="Y" type="integer" min="-2.14748E9" max="2.14748E9" units="cm"/>
+        </inkml:traceFormat>
+        <inkml:channelProperties>
+          <inkml:channelProperty channel="X" name="resolution" value="1000" units="1/cm"/>
+          <inkml:channelProperty channel="Y" name="resolution" value="1000" units="1/cm"/>
+        </inkml:channelProperties>
+      </inkml:inkSource>
+      <inkml:timestamp xml:id="ts0" timeString="2024-03-25T13:51:59.221"/>
+    </inkml:context>
+    <inkml:brush xml:id="br0">
+      <inkml:brushProperty name="width" value="0.05" units="cm"/>
+      <inkml:brushProperty name="height" value="0.05" units="cm"/>
+      <inkml:brushProperty name="color" value="#E71224"/>
+      <inkml:brushProperty name="ignorePressure" value="1"/>
+    </inkml:brush>
+  </inkml:definitions>
+  <inkml:trace contextRef="#ctx0" brushRef="#br0">49 0,'-6'0,"-2"6,1 8,1 8,2 6,1 4,1 3,2 1,0 0,0 1,1 0,-1-1,0 0,0-1,0 1,-6-7,-2-8</inkml:trace>
+</inkml:ink>
+</file>
+
+<file path=ppt/ink/ink53.xml><?xml version="1.0" encoding="utf-8"?>
+<inkml:ink xmlns:inkml="http://www.w3.org/2003/InkML">
+  <inkml:definitions>
+    <inkml:context xml:id="ctx0">
+      <inkml:inkSource xml:id="inkSrc0">
+        <inkml:traceFormat>
+          <inkml:channel name="X" type="integer" min="-2.14748E9" max="2.14748E9" units="cm"/>
+          <inkml:channel name="Y" type="integer" min="-2.14748E9" max="2.14748E9" units="cm"/>
+        </inkml:traceFormat>
+        <inkml:channelProperties>
+          <inkml:channelProperty channel="X" name="resolution" value="1000" units="1/cm"/>
+          <inkml:channelProperty channel="Y" name="resolution" value="1000" units="1/cm"/>
+        </inkml:channelProperties>
+      </inkml:inkSource>
+      <inkml:timestamp xml:id="ts0" timeString="2024-03-25T13:51:59.854"/>
+    </inkml:context>
+    <inkml:brush xml:id="br0">
+      <inkml:brushProperty name="width" value="0.05" units="cm"/>
+      <inkml:brushProperty name="height" value="0.05" units="cm"/>
+      <inkml:brushProperty name="color" value="#E71224"/>
+      <inkml:brushProperty name="ignorePressure" value="1"/>
+    </inkml:brush>
+  </inkml:definitions>
+  <inkml:trace contextRef="#ctx0" brushRef="#br0">0 0,'6'0,"14"0,15 0,15 0,3 0,0 0,-3 0,1 0,-1 0,-10 0</inkml:trace>
+</inkml:ink>
+</file>
+
+<file path=ppt/ink/ink54.xml><?xml version="1.0" encoding="utf-8"?>
+<inkml:ink xmlns:inkml="http://www.w3.org/2003/InkML">
+  <inkml:definitions>
+    <inkml:context xml:id="ctx0">
+      <inkml:inkSource xml:id="inkSrc0">
+        <inkml:traceFormat>
+          <inkml:channel name="X" type="integer" min="-2.14748E9" max="2.14748E9" units="cm"/>
+          <inkml:channel name="Y" type="integer" min="-2.14748E9" max="2.14748E9" units="cm"/>
+        </inkml:traceFormat>
+        <inkml:channelProperties>
+          <inkml:channelProperty channel="X" name="resolution" value="1000" units="1/cm"/>
+          <inkml:channelProperty channel="Y" name="resolution" value="1000" units="1/cm"/>
+        </inkml:channelProperties>
+      </inkml:inkSource>
+      <inkml:timestamp xml:id="ts0" timeString="2024-03-25T13:52:01.121"/>
+    </inkml:context>
+    <inkml:brush xml:id="br0">
+      <inkml:brushProperty name="width" value="0.05" units="cm"/>
+      <inkml:brushProperty name="height" value="0.05" units="cm"/>
+      <inkml:brushProperty name="color" value="#E71224"/>
+      <inkml:brushProperty name="ignorePressure" value="1"/>
+    </inkml:brush>
+  </inkml:definitions>
+  <inkml:trace contextRef="#ctx0" brushRef="#br0">0 38,'2'17,"0"0,0 0,2-1,0 0,0 1,11 21,1 5,45 157,64 177,-114-348,1 0,2-1,1 0,1-1,21 26,-33-46,1-1,0 0,1 0,0 0,0-1,0 0,0 0,1-1,-1 1,1-2,1 1,-1-1,0 0,1 0,-1-1,1 0,0 0,0-1,0 0,0 0,0-1,0 0,0 0,0-1,12-2,0-4,1-1,-1-1,-1 0,0-1,0-1,-1-1,-1-1,0-1,0 0,-1-1,-1 0,13-18,7-12,-2-1,-3-1,38-75,-18 16,-5-3,62-224,-87 245</inkml:trace>
+</inkml:ink>
+</file>
+
+<file path=ppt/ink/ink55.xml><?xml version="1.0" encoding="utf-8"?>
+<inkml:ink xmlns:inkml="http://www.w3.org/2003/InkML">
+  <inkml:definitions>
+    <inkml:context xml:id="ctx0">
+      <inkml:inkSource xml:id="inkSrc0">
+        <inkml:traceFormat>
+          <inkml:channel name="X" type="integer" min="-2.14748E9" max="2.14748E9" units="cm"/>
+          <inkml:channel name="Y" type="integer" min="-2.14748E9" max="2.14748E9" units="cm"/>
+        </inkml:traceFormat>
+        <inkml:channelProperties>
+          <inkml:channelProperty channel="X" name="resolution" value="1000" units="1/cm"/>
+          <inkml:channelProperty channel="Y" name="resolution" value="1000" units="1/cm"/>
+        </inkml:channelProperties>
+      </inkml:inkSource>
+      <inkml:timestamp xml:id="ts0" timeString="2024-03-25T13:52:01.698"/>
+    </inkml:context>
+    <inkml:brush xml:id="br0">
+      <inkml:brushProperty name="width" value="0.05" units="cm"/>
+      <inkml:brushProperty name="height" value="0.05" units="cm"/>
+      <inkml:brushProperty name="color" value="#E71224"/>
+      <inkml:brushProperty name="ignorePressure" value="1"/>
+    </inkml:brush>
+  </inkml:definitions>
+  <inkml:trace contextRef="#ctx0" brushRef="#br0">0 974,'10'0,"-1"-1,0-1,0 1,0-2,0 1,-1-1,1 0,0-1,-1 0,0 0,0-1,0 0,-1 0,0-1,0 0,0 0,6-8,11-14,-2-1,37-63,-35 53,345-595,-360 616,-8 13,1 1,0-1,0 1,0 0,1-1,-1 1,1 0,0 1,0-1,0 0,1 1,-1 0,7-4,-10 7,1 0,0 0,-1 1,1-1,-1 1,1-1,-1 0,1 1,-1-1,1 1,-1-1,1 1,-1 0,1-1,-1 1,0-1,1 1,-1 0,0-1,0 1,1 0,-1-1,0 1,0 0,0 0,0-1,0 1,0 0,0-1,0 2,5 50,-3 1,-6 92,0-53,1-12,-1-15,10 114,-5-168,-1-9,0 1,0 0,1-1,-1 1,1-1,-1 1,1 0,0-1,0 1,0-1,0 0,0 1,1-1,1 3,3-4</inkml:trace>
+</inkml:ink>
+</file>
+
+<file path=ppt/ink/ink56.xml><?xml version="1.0" encoding="utf-8"?>
+<inkml:ink xmlns:inkml="http://www.w3.org/2003/InkML">
+  <inkml:definitions>
+    <inkml:context xml:id="ctx0">
+      <inkml:inkSource xml:id="inkSrc0">
+        <inkml:traceFormat>
+          <inkml:channel name="X" type="integer" min="-2.14748E9" max="2.14748E9" units="cm"/>
+          <inkml:channel name="Y" type="integer" min="-2.14748E9" max="2.14748E9" units="cm"/>
+        </inkml:traceFormat>
+        <inkml:channelProperties>
+          <inkml:channelProperty channel="X" name="resolution" value="1000" units="1/cm"/>
+          <inkml:channelProperty channel="Y" name="resolution" value="1000" units="1/cm"/>
+        </inkml:channelProperties>
+      </inkml:inkSource>
+      <inkml:timestamp xml:id="ts0" timeString="2024-03-25T13:52:02.168"/>
+    </inkml:context>
+    <inkml:brush xml:id="br0">
+      <inkml:brushProperty name="width" value="0.05" units="cm"/>
+      <inkml:brushProperty name="height" value="0.05" units="cm"/>
+      <inkml:brushProperty name="color" value="#E71224"/>
+      <inkml:brushProperty name="ignorePressure" value="1"/>
+    </inkml:brush>
+  </inkml:definitions>
+  <inkml:trace contextRef="#ctx0" brushRef="#br0">0 13,'12'0,"16"0,10 0,9 6,9 2,2 0,-4-2,-5-7,1-16,-7-5</inkml:trace>
+</inkml:ink>
+</file>
+
+<file path=ppt/ink/ink57.xml><?xml version="1.0" encoding="utf-8"?>
+<inkml:ink xmlns:inkml="http://www.w3.org/2003/InkML">
+  <inkml:definitions>
+    <inkml:context xml:id="ctx0">
+      <inkml:inkSource xml:id="inkSrc0">
+        <inkml:traceFormat>
+          <inkml:channel name="X" type="integer" min="-2.14748E9" max="2.14748E9" units="cm"/>
+          <inkml:channel name="Y" type="integer" min="-2.14748E9" max="2.14748E9" units="cm"/>
+        </inkml:traceFormat>
+        <inkml:channelProperties>
+          <inkml:channelProperty channel="X" name="resolution" value="1000" units="1/cm"/>
+          <inkml:channelProperty channel="Y" name="resolution" value="1000" units="1/cm"/>
+        </inkml:channelProperties>
+      </inkml:inkSource>
+      <inkml:timestamp xml:id="ts0" timeString="2024-03-25T13:52:02.822"/>
+    </inkml:context>
+    <inkml:brush xml:id="br0">
+      <inkml:brushProperty name="width" value="0.05" units="cm"/>
+      <inkml:brushProperty name="height" value="0.05" units="cm"/>
+      <inkml:brushProperty name="color" value="#E71224"/>
+      <inkml:brushProperty name="ignorePressure" value="1"/>
+    </inkml:brush>
+  </inkml:definitions>
+  <inkml:trace contextRef="#ctx0" brushRef="#br0">991 0,'-33'0,"0"1,0 2,0 1,0 2,1 1,-1 1,2 2,0 1,-47 24,46-19,1 2,1 1,1 2,1 1,-44 43,62-54,1 0,0 0,1 1,1 0,0 0,0 0,-7 22,11-25,1 0,0 0,0 0,1 0,1 0,-1 0,1 0,1 0,-1 1,2-1,-1 0,6 15,-2-12,0 0,1-1,0 0,1 0,1 0,-1-1,2 0,-1-1,1 0,1 0,0-1,17 12,7 2,0-3,66 29,-11-17,-65-25,-1 2,0 0,0 2,23 13,-44-22,0 0,0 0,-1 1,1-1,0 0,-1 1,1-1,-1 1,1-1,-1 1,0 0,0-1,0 1,0 0,0 0,0 0,0 0,1 3,-2-3,-1 0,1 0,0-1,0 1,-1 0,1-1,-1 1,1 0,-1-1,0 1,0-1,1 1,-1-1,0 1,-1-1,1 1,0-1,-2 1,-7 7,-1-1,0 0,-1-1,-22 10,22-11,-656 373,653-369,7-5,0 0,0 1,0 0,1 0,-1 0,2 1,-1 0,-10 16,16-23,1 1,0-1,0 1,-1 0,1-1,0 1,0 0,0-1,-1 1,1 0,0-1,0 1,0 0,0-1,0 1,1 0,-1-1,0 1,0-1,0 1,0 0,1-1,-1 1,0 0,1-1,-1 1,0-1,1 1,-1-1,1 1,-1-1,1 1,-1-1,1 0,-1 1,1-1,-1 0,1 1,0-1,-1 0,1 1,0-1,31 5,-9-7,-1-1,1-1,33-10,5-4</inkml:trace>
+</inkml:ink>
+</file>
+
+<file path=ppt/ink/ink58.xml><?xml version="1.0" encoding="utf-8"?>
+<inkml:ink xmlns:inkml="http://www.w3.org/2003/InkML">
+  <inkml:definitions>
+    <inkml:context xml:id="ctx0">
+      <inkml:inkSource xml:id="inkSrc0">
+        <inkml:traceFormat>
+          <inkml:channel name="X" type="integer" min="-2.14748E9" max="2.14748E9" units="cm"/>
+          <inkml:channel name="Y" type="integer" min="-2.14748E9" max="2.14748E9" units="cm"/>
+        </inkml:traceFormat>
+        <inkml:channelProperties>
+          <inkml:channelProperty channel="X" name="resolution" value="1000" units="1/cm"/>
+          <inkml:channelProperty channel="Y" name="resolution" value="1000" units="1/cm"/>
+        </inkml:channelProperties>
+      </inkml:inkSource>
+      <inkml:timestamp xml:id="ts0" timeString="2024-03-25T13:52:03.430"/>
+    </inkml:context>
+    <inkml:brush xml:id="br0">
+      <inkml:brushProperty name="width" value="0.05" units="cm"/>
+      <inkml:brushProperty name="height" value="0.05" units="cm"/>
+      <inkml:brushProperty name="color" value="#E71224"/>
+      <inkml:brushProperty name="ignorePressure" value="1"/>
+    </inkml:brush>
+  </inkml:definitions>
+  <inkml:trace contextRef="#ctx0" brushRef="#br0">738 0,'-77'27,"0"3,2 3,2 4,1 3,-97 72,159-104,0 1,1 1,0 0,1 0,0 1,1 0,0 0,0 0,2 1,-1 0,1 1,-3 14,-4 19,2 2,-3 48,-1 2,-1-23,4-31,3 0,2 1,0 48,5-89,1 0,1 0,-1 0,1 0,-1 0,1 0,0 0,1 0,-1 0,1-1,-1 1,1 0,0-1,1 1,-1-1,0 0,1 0,0 0,0 0,4 3,-1-2,-1-2,1 1,0 0,0-1,0 0,0-1,0 1,0-1,0 0,0-1,13 0,6-1,0-2,-1-1,1-1,-1-2,37-13,-3-7,0-2,-2-2,98-74,-146 99,51-42,-56 46,0-1,0-1,0 1,0 0,0-1,-1 0,0 1,0-1,0 0,0 0,-1 0,1 0,1-8,-3 10,0 1,0 0,0 0,-1-1,1 1,0 0,0 0,-1-1,1 1,-1 0,1 0,-1 0,1 0,-1 0,0 0,0 0,0-1,-18-13</inkml:trace>
+</inkml:ink>
+</file>
+
+<file path=ppt/ink/ink59.xml><?xml version="1.0" encoding="utf-8"?>
+<inkml:ink xmlns:inkml="http://www.w3.org/2003/InkML">
+  <inkml:definitions>
+    <inkml:context xml:id="ctx0">
+      <inkml:inkSource xml:id="inkSrc0">
+        <inkml:traceFormat>
+          <inkml:channel name="X" type="integer" min="-2.14748E9" max="2.14748E9" units="cm"/>
+          <inkml:channel name="Y" type="integer" min="-2.14748E9" max="2.14748E9" units="cm"/>
+        </inkml:traceFormat>
+        <inkml:channelProperties>
+          <inkml:channelProperty channel="X" name="resolution" value="1000" units="1/cm"/>
+          <inkml:channelProperty channel="Y" name="resolution" value="1000" units="1/cm"/>
+        </inkml:channelProperties>
+      </inkml:inkSource>
+      <inkml:timestamp xml:id="ts0" timeString="2024-03-25T13:52:04.072"/>
+    </inkml:context>
+    <inkml:brush xml:id="br0">
+      <inkml:brushProperty name="width" value="0.05" units="cm"/>
+      <inkml:brushProperty name="height" value="0.05" units="cm"/>
+      <inkml:brushProperty name="color" value="#E71224"/>
+      <inkml:brushProperty name="ignorePressure" value="1"/>
+    </inkml:brush>
+  </inkml:definitions>
+  <inkml:trace contextRef="#ctx0" brushRef="#br0">20 155,'-4'9,"0"1,1 0,1-1,0 1,0 0,1 0,0 1,0-1,1 0,1 0,0 0,0 0,1 0,0 0,1 0,0-1,4 11,7 11,0 0,2-2,33 48,-25-44,1-2,1 0,2-2,0-1,2-2,1 0,1-2,37 20,-52-35,0 0,1-1,0-1,1-1,0 0,0-2,0 0,22 2,-27-6,-1 0,0-1,0 0,0 0,0-2,0 0,0 0,0-1,-1-1,1 0,-1 0,-1-2,12-7,-9 4,0-1,-2-1,1 0,-1-1,-1 0,-1 0,1-1,-2-1,0 0,-1 0,10-26,0-10,-1-1,12-71,-24 100,-1-1,0 0,-2 0,-1 1,-1-1,-4-31,3 48,0-1,-1 0,0 1,-1 0,1-1,-1 1,0 0,-1 0,0 1,0-1,-1 1,1 0,-1 0,0 0,-1 1,0-1,0 1,0 1,0-1,-1 1,1 0,-1 1,-9-4,-10-1,-1 0,0 2,0 1,0 1,-37 0,3 3,-86 10,121-5,0 2,0 1,0 0,1 2,0 1,1 1,0 1,1 1,0 1,1 1,0 1,2 1,0 1,-19 21,32-30,0 0,1 0,0 1,0 0,1 0,0 1,1-1,0 1,1 0,0 0,1 1,0-1,0 0,1 15,0 14</inkml:trace>
 </inkml:ink>
 </file>
 
@@ -4125,8 +4921,8 @@
             <a:chExt cx="4916880" cy="4753440"/>
           </a:xfrm>
         </p:grpSpPr>
-        <mc:AlternateContent xmlns:mc="http://schemas.openxmlformats.org/markup-compatibility/2006">
-          <mc:Choice xmlns:p14="http://schemas.microsoft.com/office/powerpoint/2010/main" Requires="p14">
+        <mc:AlternateContent xmlns:mc="http://schemas.openxmlformats.org/markup-compatibility/2006" xmlns:p14="http://schemas.microsoft.com/office/powerpoint/2010/main">
+          <mc:Choice Requires="p14">
             <p:contentPart p14:bwMode="auto" r:id="rId2">
               <p14:nvContentPartPr>
                 <p14:cNvPr id="4" name="Ink 3">
@@ -4145,7 +4941,7 @@
               </p14:xfrm>
             </p:contentPart>
           </mc:Choice>
-          <mc:Fallback>
+          <mc:Fallback xmlns="">
             <p:pic>
               <p:nvPicPr>
                 <p:cNvPr id="4" name="Ink 3">
@@ -4176,8 +4972,8 @@
             </p:pic>
           </mc:Fallback>
         </mc:AlternateContent>
-        <mc:AlternateContent xmlns:mc="http://schemas.openxmlformats.org/markup-compatibility/2006">
-          <mc:Choice xmlns:p14="http://schemas.microsoft.com/office/powerpoint/2010/main" Requires="p14">
+        <mc:AlternateContent xmlns:mc="http://schemas.openxmlformats.org/markup-compatibility/2006" xmlns:p14="http://schemas.microsoft.com/office/powerpoint/2010/main">
+          <mc:Choice Requires="p14">
             <p:contentPart p14:bwMode="auto" r:id="rId4">
               <p14:nvContentPartPr>
                 <p14:cNvPr id="5" name="Ink 4">
@@ -4196,7 +4992,7 @@
               </p14:xfrm>
             </p:contentPart>
           </mc:Choice>
-          <mc:Fallback>
+          <mc:Fallback xmlns="">
             <p:pic>
               <p:nvPicPr>
                 <p:cNvPr id="5" name="Ink 4">
@@ -4227,8 +5023,8 @@
             </p:pic>
           </mc:Fallback>
         </mc:AlternateContent>
-        <mc:AlternateContent xmlns:mc="http://schemas.openxmlformats.org/markup-compatibility/2006">
-          <mc:Choice xmlns:p14="http://schemas.microsoft.com/office/powerpoint/2010/main" Requires="p14">
+        <mc:AlternateContent xmlns:mc="http://schemas.openxmlformats.org/markup-compatibility/2006" xmlns:p14="http://schemas.microsoft.com/office/powerpoint/2010/main">
+          <mc:Choice Requires="p14">
             <p:contentPart p14:bwMode="auto" r:id="rId6">
               <p14:nvContentPartPr>
                 <p14:cNvPr id="6" name="Ink 5">
@@ -4247,7 +5043,7 @@
               </p14:xfrm>
             </p:contentPart>
           </mc:Choice>
-          <mc:Fallback>
+          <mc:Fallback xmlns="">
             <p:pic>
               <p:nvPicPr>
                 <p:cNvPr id="6" name="Ink 5">
@@ -4278,8 +5074,8 @@
             </p:pic>
           </mc:Fallback>
         </mc:AlternateContent>
-        <mc:AlternateContent xmlns:mc="http://schemas.openxmlformats.org/markup-compatibility/2006">
-          <mc:Choice xmlns:p14="http://schemas.microsoft.com/office/powerpoint/2010/main" Requires="p14">
+        <mc:AlternateContent xmlns:mc="http://schemas.openxmlformats.org/markup-compatibility/2006" xmlns:p14="http://schemas.microsoft.com/office/powerpoint/2010/main">
+          <mc:Choice Requires="p14">
             <p:contentPart p14:bwMode="auto" r:id="rId8">
               <p14:nvContentPartPr>
                 <p14:cNvPr id="7" name="Ink 6">
@@ -4298,7 +5094,7 @@
               </p14:xfrm>
             </p:contentPart>
           </mc:Choice>
-          <mc:Fallback>
+          <mc:Fallback xmlns="">
             <p:pic>
               <p:nvPicPr>
                 <p:cNvPr id="7" name="Ink 6">
@@ -4329,8 +5125,8 @@
             </p:pic>
           </mc:Fallback>
         </mc:AlternateContent>
-        <mc:AlternateContent xmlns:mc="http://schemas.openxmlformats.org/markup-compatibility/2006">
-          <mc:Choice xmlns:p14="http://schemas.microsoft.com/office/powerpoint/2010/main" Requires="p14">
+        <mc:AlternateContent xmlns:mc="http://schemas.openxmlformats.org/markup-compatibility/2006" xmlns:p14="http://schemas.microsoft.com/office/powerpoint/2010/main">
+          <mc:Choice Requires="p14">
             <p:contentPart p14:bwMode="auto" r:id="rId10">
               <p14:nvContentPartPr>
                 <p14:cNvPr id="9" name="Ink 8">
@@ -4349,7 +5145,7 @@
               </p14:xfrm>
             </p:contentPart>
           </mc:Choice>
-          <mc:Fallback>
+          <mc:Fallback xmlns="">
             <p:pic>
               <p:nvPicPr>
                 <p:cNvPr id="9" name="Ink 8">
@@ -4380,8 +5176,8 @@
             </p:pic>
           </mc:Fallback>
         </mc:AlternateContent>
-        <mc:AlternateContent xmlns:mc="http://schemas.openxmlformats.org/markup-compatibility/2006">
-          <mc:Choice xmlns:p14="http://schemas.microsoft.com/office/powerpoint/2010/main" Requires="p14">
+        <mc:AlternateContent xmlns:mc="http://schemas.openxmlformats.org/markup-compatibility/2006" xmlns:p14="http://schemas.microsoft.com/office/powerpoint/2010/main">
+          <mc:Choice Requires="p14">
             <p:contentPart p14:bwMode="auto" r:id="rId12">
               <p14:nvContentPartPr>
                 <p14:cNvPr id="10" name="Ink 9">
@@ -4400,7 +5196,7 @@
               </p14:xfrm>
             </p:contentPart>
           </mc:Choice>
-          <mc:Fallback>
+          <mc:Fallback xmlns="">
             <p:pic>
               <p:nvPicPr>
                 <p:cNvPr id="10" name="Ink 9">
@@ -4431,8 +5227,8 @@
             </p:pic>
           </mc:Fallback>
         </mc:AlternateContent>
-        <mc:AlternateContent xmlns:mc="http://schemas.openxmlformats.org/markup-compatibility/2006">
-          <mc:Choice xmlns:p14="http://schemas.microsoft.com/office/powerpoint/2010/main" Requires="p14">
+        <mc:AlternateContent xmlns:mc="http://schemas.openxmlformats.org/markup-compatibility/2006" xmlns:p14="http://schemas.microsoft.com/office/powerpoint/2010/main">
+          <mc:Choice Requires="p14">
             <p:contentPart p14:bwMode="auto" r:id="rId14">
               <p14:nvContentPartPr>
                 <p14:cNvPr id="11" name="Ink 10">
@@ -4451,7 +5247,7 @@
               </p14:xfrm>
             </p:contentPart>
           </mc:Choice>
-          <mc:Fallback>
+          <mc:Fallback xmlns="">
             <p:pic>
               <p:nvPicPr>
                 <p:cNvPr id="11" name="Ink 10">
@@ -4482,8 +5278,8 @@
             </p:pic>
           </mc:Fallback>
         </mc:AlternateContent>
-        <mc:AlternateContent xmlns:mc="http://schemas.openxmlformats.org/markup-compatibility/2006">
-          <mc:Choice xmlns:p14="http://schemas.microsoft.com/office/powerpoint/2010/main" Requires="p14">
+        <mc:AlternateContent xmlns:mc="http://schemas.openxmlformats.org/markup-compatibility/2006" xmlns:p14="http://schemas.microsoft.com/office/powerpoint/2010/main">
+          <mc:Choice Requires="p14">
             <p:contentPart p14:bwMode="auto" r:id="rId16">
               <p14:nvContentPartPr>
                 <p14:cNvPr id="12" name="Ink 11">
@@ -4502,7 +5298,7 @@
               </p14:xfrm>
             </p:contentPart>
           </mc:Choice>
-          <mc:Fallback>
+          <mc:Fallback xmlns="">
             <p:pic>
               <p:nvPicPr>
                 <p:cNvPr id="12" name="Ink 11">
@@ -4533,8 +5329,8 @@
             </p:pic>
           </mc:Fallback>
         </mc:AlternateContent>
-        <mc:AlternateContent xmlns:mc="http://schemas.openxmlformats.org/markup-compatibility/2006">
-          <mc:Choice xmlns:p14="http://schemas.microsoft.com/office/powerpoint/2010/main" Requires="p14">
+        <mc:AlternateContent xmlns:mc="http://schemas.openxmlformats.org/markup-compatibility/2006" xmlns:p14="http://schemas.microsoft.com/office/powerpoint/2010/main">
+          <mc:Choice Requires="p14">
             <p:contentPart p14:bwMode="auto" r:id="rId18">
               <p14:nvContentPartPr>
                 <p14:cNvPr id="13" name="Ink 12">
@@ -4553,7 +5349,7 @@
               </p14:xfrm>
             </p:contentPart>
           </mc:Choice>
-          <mc:Fallback>
+          <mc:Fallback xmlns="">
             <p:pic>
               <p:nvPicPr>
                 <p:cNvPr id="13" name="Ink 12">
@@ -4584,8 +5380,8 @@
             </p:pic>
           </mc:Fallback>
         </mc:AlternateContent>
-        <mc:AlternateContent xmlns:mc="http://schemas.openxmlformats.org/markup-compatibility/2006">
-          <mc:Choice xmlns:p14="http://schemas.microsoft.com/office/powerpoint/2010/main" Requires="p14">
+        <mc:AlternateContent xmlns:mc="http://schemas.openxmlformats.org/markup-compatibility/2006" xmlns:p14="http://schemas.microsoft.com/office/powerpoint/2010/main">
+          <mc:Choice Requires="p14">
             <p:contentPart p14:bwMode="auto" r:id="rId20">
               <p14:nvContentPartPr>
                 <p14:cNvPr id="14" name="Ink 13">
@@ -4604,7 +5400,7 @@
               </p14:xfrm>
             </p:contentPart>
           </mc:Choice>
-          <mc:Fallback>
+          <mc:Fallback xmlns="">
             <p:pic>
               <p:nvPicPr>
                 <p:cNvPr id="14" name="Ink 13">
@@ -4635,8 +5431,8 @@
             </p:pic>
           </mc:Fallback>
         </mc:AlternateContent>
-        <mc:AlternateContent xmlns:mc="http://schemas.openxmlformats.org/markup-compatibility/2006">
-          <mc:Choice xmlns:p14="http://schemas.microsoft.com/office/powerpoint/2010/main" Requires="p14">
+        <mc:AlternateContent xmlns:mc="http://schemas.openxmlformats.org/markup-compatibility/2006" xmlns:p14="http://schemas.microsoft.com/office/powerpoint/2010/main">
+          <mc:Choice Requires="p14">
             <p:contentPart p14:bwMode="auto" r:id="rId22">
               <p14:nvContentPartPr>
                 <p14:cNvPr id="15" name="Ink 14">
@@ -4655,7 +5451,7 @@
               </p14:xfrm>
             </p:contentPart>
           </mc:Choice>
-          <mc:Fallback>
+          <mc:Fallback xmlns="">
             <p:pic>
               <p:nvPicPr>
                 <p:cNvPr id="15" name="Ink 14">
@@ -4686,8 +5482,8 @@
             </p:pic>
           </mc:Fallback>
         </mc:AlternateContent>
-        <mc:AlternateContent xmlns:mc="http://schemas.openxmlformats.org/markup-compatibility/2006">
-          <mc:Choice xmlns:p14="http://schemas.microsoft.com/office/powerpoint/2010/main" Requires="p14">
+        <mc:AlternateContent xmlns:mc="http://schemas.openxmlformats.org/markup-compatibility/2006" xmlns:p14="http://schemas.microsoft.com/office/powerpoint/2010/main">
+          <mc:Choice Requires="p14">
             <p:contentPart p14:bwMode="auto" r:id="rId24">
               <p14:nvContentPartPr>
                 <p14:cNvPr id="16" name="Ink 15">
@@ -4706,7 +5502,7 @@
               </p14:xfrm>
             </p:contentPart>
           </mc:Choice>
-          <mc:Fallback>
+          <mc:Fallback xmlns="">
             <p:pic>
               <p:nvPicPr>
                 <p:cNvPr id="16" name="Ink 15">
@@ -4737,8 +5533,8 @@
             </p:pic>
           </mc:Fallback>
         </mc:AlternateContent>
-        <mc:AlternateContent xmlns:mc="http://schemas.openxmlformats.org/markup-compatibility/2006">
-          <mc:Choice xmlns:p14="http://schemas.microsoft.com/office/powerpoint/2010/main" Requires="p14">
+        <mc:AlternateContent xmlns:mc="http://schemas.openxmlformats.org/markup-compatibility/2006" xmlns:p14="http://schemas.microsoft.com/office/powerpoint/2010/main">
+          <mc:Choice Requires="p14">
             <p:contentPart p14:bwMode="auto" r:id="rId26">
               <p14:nvContentPartPr>
                 <p14:cNvPr id="17" name="Ink 16">
@@ -4757,7 +5553,7 @@
               </p14:xfrm>
             </p:contentPart>
           </mc:Choice>
-          <mc:Fallback>
+          <mc:Fallback xmlns="">
             <p:pic>
               <p:nvPicPr>
                 <p:cNvPr id="17" name="Ink 16">
@@ -4788,8 +5584,8 @@
             </p:pic>
           </mc:Fallback>
         </mc:AlternateContent>
-        <mc:AlternateContent xmlns:mc="http://schemas.openxmlformats.org/markup-compatibility/2006">
-          <mc:Choice xmlns:p14="http://schemas.microsoft.com/office/powerpoint/2010/main" Requires="p14">
+        <mc:AlternateContent xmlns:mc="http://schemas.openxmlformats.org/markup-compatibility/2006" xmlns:p14="http://schemas.microsoft.com/office/powerpoint/2010/main">
+          <mc:Choice Requires="p14">
             <p:contentPart p14:bwMode="auto" r:id="rId28">
               <p14:nvContentPartPr>
                 <p14:cNvPr id="18" name="Ink 17">
@@ -4808,7 +5604,7 @@
               </p14:xfrm>
             </p:contentPart>
           </mc:Choice>
-          <mc:Fallback>
+          <mc:Fallback xmlns="">
             <p:pic>
               <p:nvPicPr>
                 <p:cNvPr id="18" name="Ink 17">
@@ -4839,8 +5635,8 @@
             </p:pic>
           </mc:Fallback>
         </mc:AlternateContent>
-        <mc:AlternateContent xmlns:mc="http://schemas.openxmlformats.org/markup-compatibility/2006">
-          <mc:Choice xmlns:p14="http://schemas.microsoft.com/office/powerpoint/2010/main" Requires="p14">
+        <mc:AlternateContent xmlns:mc="http://schemas.openxmlformats.org/markup-compatibility/2006" xmlns:p14="http://schemas.microsoft.com/office/powerpoint/2010/main">
+          <mc:Choice Requires="p14">
             <p:contentPart p14:bwMode="auto" r:id="rId30">
               <p14:nvContentPartPr>
                 <p14:cNvPr id="19" name="Ink 18">
@@ -4859,7 +5655,7 @@
               </p14:xfrm>
             </p:contentPart>
           </mc:Choice>
-          <mc:Fallback>
+          <mc:Fallback xmlns="">
             <p:pic>
               <p:nvPicPr>
                 <p:cNvPr id="19" name="Ink 18">
@@ -4890,8 +5686,8 @@
             </p:pic>
           </mc:Fallback>
         </mc:AlternateContent>
-        <mc:AlternateContent xmlns:mc="http://schemas.openxmlformats.org/markup-compatibility/2006">
-          <mc:Choice xmlns:p14="http://schemas.microsoft.com/office/powerpoint/2010/main" Requires="p14">
+        <mc:AlternateContent xmlns:mc="http://schemas.openxmlformats.org/markup-compatibility/2006" xmlns:p14="http://schemas.microsoft.com/office/powerpoint/2010/main">
+          <mc:Choice Requires="p14">
             <p:contentPart p14:bwMode="auto" r:id="rId32">
               <p14:nvContentPartPr>
                 <p14:cNvPr id="20" name="Ink 19">
@@ -4910,7 +5706,7 @@
               </p14:xfrm>
             </p:contentPart>
           </mc:Choice>
-          <mc:Fallback>
+          <mc:Fallback xmlns="">
             <p:pic>
               <p:nvPicPr>
                 <p:cNvPr id="20" name="Ink 19">
@@ -4941,8 +5737,8 @@
             </p:pic>
           </mc:Fallback>
         </mc:AlternateContent>
-        <mc:AlternateContent xmlns:mc="http://schemas.openxmlformats.org/markup-compatibility/2006">
-          <mc:Choice xmlns:p14="http://schemas.microsoft.com/office/powerpoint/2010/main" Requires="p14">
+        <mc:AlternateContent xmlns:mc="http://schemas.openxmlformats.org/markup-compatibility/2006" xmlns:p14="http://schemas.microsoft.com/office/powerpoint/2010/main">
+          <mc:Choice Requires="p14">
             <p:contentPart p14:bwMode="auto" r:id="rId34">
               <p14:nvContentPartPr>
                 <p14:cNvPr id="21" name="Ink 20">
@@ -4961,7 +5757,7 @@
               </p14:xfrm>
             </p:contentPart>
           </mc:Choice>
-          <mc:Fallback>
+          <mc:Fallback xmlns="">
             <p:pic>
               <p:nvPicPr>
                 <p:cNvPr id="21" name="Ink 20">
@@ -4992,8 +5788,8 @@
             </p:pic>
           </mc:Fallback>
         </mc:AlternateContent>
-        <mc:AlternateContent xmlns:mc="http://schemas.openxmlformats.org/markup-compatibility/2006">
-          <mc:Choice xmlns:p14="http://schemas.microsoft.com/office/powerpoint/2010/main" Requires="p14">
+        <mc:AlternateContent xmlns:mc="http://schemas.openxmlformats.org/markup-compatibility/2006" xmlns:p14="http://schemas.microsoft.com/office/powerpoint/2010/main">
+          <mc:Choice Requires="p14">
             <p:contentPart p14:bwMode="auto" r:id="rId36">
               <p14:nvContentPartPr>
                 <p14:cNvPr id="23" name="Ink 22">
@@ -5012,7 +5808,7 @@
               </p14:xfrm>
             </p:contentPart>
           </mc:Choice>
-          <mc:Fallback>
+          <mc:Fallback xmlns="">
             <p:pic>
               <p:nvPicPr>
                 <p:cNvPr id="23" name="Ink 22">
@@ -5043,8 +5839,8 @@
             </p:pic>
           </mc:Fallback>
         </mc:AlternateContent>
-        <mc:AlternateContent xmlns:mc="http://schemas.openxmlformats.org/markup-compatibility/2006">
-          <mc:Choice xmlns:p14="http://schemas.microsoft.com/office/powerpoint/2010/main" Requires="p14">
+        <mc:AlternateContent xmlns:mc="http://schemas.openxmlformats.org/markup-compatibility/2006" xmlns:p14="http://schemas.microsoft.com/office/powerpoint/2010/main">
+          <mc:Choice Requires="p14">
             <p:contentPart p14:bwMode="auto" r:id="rId38">
               <p14:nvContentPartPr>
                 <p14:cNvPr id="24" name="Ink 23">
@@ -5063,7 +5859,7 @@
               </p14:xfrm>
             </p:contentPart>
           </mc:Choice>
-          <mc:Fallback>
+          <mc:Fallback xmlns="">
             <p:pic>
               <p:nvPicPr>
                 <p:cNvPr id="24" name="Ink 23">
@@ -5094,8 +5890,8 @@
             </p:pic>
           </mc:Fallback>
         </mc:AlternateContent>
-        <mc:AlternateContent xmlns:mc="http://schemas.openxmlformats.org/markup-compatibility/2006">
-          <mc:Choice xmlns:p14="http://schemas.microsoft.com/office/powerpoint/2010/main" Requires="p14">
+        <mc:AlternateContent xmlns:mc="http://schemas.openxmlformats.org/markup-compatibility/2006" xmlns:p14="http://schemas.microsoft.com/office/powerpoint/2010/main">
+          <mc:Choice Requires="p14">
             <p:contentPart p14:bwMode="auto" r:id="rId40">
               <p14:nvContentPartPr>
                 <p14:cNvPr id="25" name="Ink 24">
@@ -5114,7 +5910,7 @@
               </p14:xfrm>
             </p:contentPart>
           </mc:Choice>
-          <mc:Fallback>
+          <mc:Fallback xmlns="">
             <p:pic>
               <p:nvPicPr>
                 <p:cNvPr id="25" name="Ink 24">
@@ -5145,8 +5941,8 @@
             </p:pic>
           </mc:Fallback>
         </mc:AlternateContent>
-        <mc:AlternateContent xmlns:mc="http://schemas.openxmlformats.org/markup-compatibility/2006">
-          <mc:Choice xmlns:p14="http://schemas.microsoft.com/office/powerpoint/2010/main" Requires="p14">
+        <mc:AlternateContent xmlns:mc="http://schemas.openxmlformats.org/markup-compatibility/2006" xmlns:p14="http://schemas.microsoft.com/office/powerpoint/2010/main">
+          <mc:Choice Requires="p14">
             <p:contentPart p14:bwMode="auto" r:id="rId42">
               <p14:nvContentPartPr>
                 <p14:cNvPr id="26" name="Ink 25">
@@ -5165,7 +5961,7 @@
               </p14:xfrm>
             </p:contentPart>
           </mc:Choice>
-          <mc:Fallback>
+          <mc:Fallback xmlns="">
             <p:pic>
               <p:nvPicPr>
                 <p:cNvPr id="26" name="Ink 25">
@@ -5196,8 +5992,8 @@
             </p:pic>
           </mc:Fallback>
         </mc:AlternateContent>
-        <mc:AlternateContent xmlns:mc="http://schemas.openxmlformats.org/markup-compatibility/2006">
-          <mc:Choice xmlns:p14="http://schemas.microsoft.com/office/powerpoint/2010/main" Requires="p14">
+        <mc:AlternateContent xmlns:mc="http://schemas.openxmlformats.org/markup-compatibility/2006" xmlns:p14="http://schemas.microsoft.com/office/powerpoint/2010/main">
+          <mc:Choice Requires="p14">
             <p:contentPart p14:bwMode="auto" r:id="rId44">
               <p14:nvContentPartPr>
                 <p14:cNvPr id="27" name="Ink 26">
@@ -5216,7 +6012,7 @@
               </p14:xfrm>
             </p:contentPart>
           </mc:Choice>
-          <mc:Fallback>
+          <mc:Fallback xmlns="">
             <p:pic>
               <p:nvPicPr>
                 <p:cNvPr id="27" name="Ink 26">
@@ -5247,8 +6043,8 @@
             </p:pic>
           </mc:Fallback>
         </mc:AlternateContent>
-        <mc:AlternateContent xmlns:mc="http://schemas.openxmlformats.org/markup-compatibility/2006">
-          <mc:Choice xmlns:p14="http://schemas.microsoft.com/office/powerpoint/2010/main" Requires="p14">
+        <mc:AlternateContent xmlns:mc="http://schemas.openxmlformats.org/markup-compatibility/2006" xmlns:p14="http://schemas.microsoft.com/office/powerpoint/2010/main">
+          <mc:Choice Requires="p14">
             <p:contentPart p14:bwMode="auto" r:id="rId46">
               <p14:nvContentPartPr>
                 <p14:cNvPr id="28" name="Ink 27">
@@ -5267,7 +6063,7 @@
               </p14:xfrm>
             </p:contentPart>
           </mc:Choice>
-          <mc:Fallback>
+          <mc:Fallback xmlns="">
             <p:pic>
               <p:nvPicPr>
                 <p:cNvPr id="28" name="Ink 27">
@@ -5298,8 +6094,8 @@
             </p:pic>
           </mc:Fallback>
         </mc:AlternateContent>
-        <mc:AlternateContent xmlns:mc="http://schemas.openxmlformats.org/markup-compatibility/2006">
-          <mc:Choice xmlns:p14="http://schemas.microsoft.com/office/powerpoint/2010/main" Requires="p14">
+        <mc:AlternateContent xmlns:mc="http://schemas.openxmlformats.org/markup-compatibility/2006" xmlns:p14="http://schemas.microsoft.com/office/powerpoint/2010/main">
+          <mc:Choice Requires="p14">
             <p:contentPart p14:bwMode="auto" r:id="rId48">
               <p14:nvContentPartPr>
                 <p14:cNvPr id="29" name="Ink 28">
@@ -5318,7 +6114,7 @@
               </p14:xfrm>
             </p:contentPart>
           </mc:Choice>
-          <mc:Fallback>
+          <mc:Fallback xmlns="">
             <p:pic>
               <p:nvPicPr>
                 <p:cNvPr id="29" name="Ink 28">
@@ -5349,8 +6145,8 @@
             </p:pic>
           </mc:Fallback>
         </mc:AlternateContent>
-        <mc:AlternateContent xmlns:mc="http://schemas.openxmlformats.org/markup-compatibility/2006">
-          <mc:Choice xmlns:p14="http://schemas.microsoft.com/office/powerpoint/2010/main" Requires="p14">
+        <mc:AlternateContent xmlns:mc="http://schemas.openxmlformats.org/markup-compatibility/2006" xmlns:p14="http://schemas.microsoft.com/office/powerpoint/2010/main">
+          <mc:Choice Requires="p14">
             <p:contentPart p14:bwMode="auto" r:id="rId50">
               <p14:nvContentPartPr>
                 <p14:cNvPr id="30" name="Ink 29">
@@ -5369,7 +6165,7 @@
               </p14:xfrm>
             </p:contentPart>
           </mc:Choice>
-          <mc:Fallback>
+          <mc:Fallback xmlns="">
             <p:pic>
               <p:nvPicPr>
                 <p:cNvPr id="30" name="Ink 29">
@@ -5400,8 +6196,8 @@
             </p:pic>
           </mc:Fallback>
         </mc:AlternateContent>
-        <mc:AlternateContent xmlns:mc="http://schemas.openxmlformats.org/markup-compatibility/2006">
-          <mc:Choice xmlns:p14="http://schemas.microsoft.com/office/powerpoint/2010/main" Requires="p14">
+        <mc:AlternateContent xmlns:mc="http://schemas.openxmlformats.org/markup-compatibility/2006" xmlns:p14="http://schemas.microsoft.com/office/powerpoint/2010/main">
+          <mc:Choice Requires="p14">
             <p:contentPart p14:bwMode="auto" r:id="rId52">
               <p14:nvContentPartPr>
                 <p14:cNvPr id="31" name="Ink 30">
@@ -5420,7 +6216,7 @@
               </p14:xfrm>
             </p:contentPart>
           </mc:Choice>
-          <mc:Fallback>
+          <mc:Fallback xmlns="">
             <p:pic>
               <p:nvPicPr>
                 <p:cNvPr id="31" name="Ink 30">
@@ -5451,8 +6247,8 @@
             </p:pic>
           </mc:Fallback>
         </mc:AlternateContent>
-        <mc:AlternateContent xmlns:mc="http://schemas.openxmlformats.org/markup-compatibility/2006">
-          <mc:Choice xmlns:p14="http://schemas.microsoft.com/office/powerpoint/2010/main" Requires="p14">
+        <mc:AlternateContent xmlns:mc="http://schemas.openxmlformats.org/markup-compatibility/2006" xmlns:p14="http://schemas.microsoft.com/office/powerpoint/2010/main">
+          <mc:Choice Requires="p14">
             <p:contentPart p14:bwMode="auto" r:id="rId54">
               <p14:nvContentPartPr>
                 <p14:cNvPr id="32" name="Ink 31">
@@ -5471,7 +6267,7 @@
               </p14:xfrm>
             </p:contentPart>
           </mc:Choice>
-          <mc:Fallback>
+          <mc:Fallback xmlns="">
             <p:pic>
               <p:nvPicPr>
                 <p:cNvPr id="32" name="Ink 31">
@@ -5502,8 +6298,8 @@
             </p:pic>
           </mc:Fallback>
         </mc:AlternateContent>
-        <mc:AlternateContent xmlns:mc="http://schemas.openxmlformats.org/markup-compatibility/2006">
-          <mc:Choice xmlns:p14="http://schemas.microsoft.com/office/powerpoint/2010/main" Requires="p14">
+        <mc:AlternateContent xmlns:mc="http://schemas.openxmlformats.org/markup-compatibility/2006" xmlns:p14="http://schemas.microsoft.com/office/powerpoint/2010/main">
+          <mc:Choice Requires="p14">
             <p:contentPart p14:bwMode="auto" r:id="rId56">
               <p14:nvContentPartPr>
                 <p14:cNvPr id="33" name="Ink 32">
@@ -5522,7 +6318,7 @@
               </p14:xfrm>
             </p:contentPart>
           </mc:Choice>
-          <mc:Fallback>
+          <mc:Fallback xmlns="">
             <p:pic>
               <p:nvPicPr>
                 <p:cNvPr id="33" name="Ink 32">
@@ -5554,8 +6350,8 @@
           </mc:Fallback>
         </mc:AlternateContent>
       </p:grpSp>
-      <mc:AlternateContent xmlns:mc="http://schemas.openxmlformats.org/markup-compatibility/2006">
-        <mc:Choice xmlns:p14="http://schemas.microsoft.com/office/powerpoint/2010/main" Requires="p14">
+      <mc:AlternateContent xmlns:mc="http://schemas.openxmlformats.org/markup-compatibility/2006" xmlns:p14="http://schemas.microsoft.com/office/powerpoint/2010/main">
+        <mc:Choice Requires="p14">
           <p:contentPart p14:bwMode="auto" r:id="rId58">
             <p14:nvContentPartPr>
               <p14:cNvPr id="35" name="Ink 34">
@@ -5574,7 +6370,7 @@
             </p14:xfrm>
           </p:contentPart>
         </mc:Choice>
-        <mc:Fallback>
+        <mc:Fallback xmlns="">
           <p:pic>
             <p:nvPicPr>
               <p:cNvPr id="35" name="Ink 34">
@@ -5597,6 +6393,1599 @@
               <a:xfrm>
                 <a:off x="5509860" y="332440"/>
                 <a:ext cx="547200" cy="476640"/>
+              </a:xfrm>
+              <a:prstGeom prst="rect">
+                <a:avLst/>
+              </a:prstGeom>
+            </p:spPr>
+          </p:pic>
+        </mc:Fallback>
+      </mc:AlternateContent>
+      <mc:AlternateContent xmlns:mc="http://schemas.openxmlformats.org/markup-compatibility/2006">
+        <mc:Choice xmlns:p14="http://schemas.microsoft.com/office/powerpoint/2010/main" Requires="p14">
+          <p:contentPart p14:bwMode="auto" r:id="rId60">
+            <p14:nvContentPartPr>
+              <p14:cNvPr id="2" name="Ink 1">
+                <a:extLst>
+                  <a:ext uri="{FF2B5EF4-FFF2-40B4-BE49-F238E27FC236}">
+                    <a16:creationId xmlns:a16="http://schemas.microsoft.com/office/drawing/2014/main" id="{DA472E85-1226-440E-896B-08B09C9A6A87}"/>
+                  </a:ext>
+                </a:extLst>
+              </p14:cNvPr>
+              <p14:cNvContentPartPr/>
+              <p14:nvPr/>
+            </p14:nvContentPartPr>
+            <p14:xfrm>
+              <a:off x="2514660" y="-762680"/>
+              <a:ext cx="12960" cy="360"/>
+            </p14:xfrm>
+          </p:contentPart>
+        </mc:Choice>
+        <mc:Fallback>
+          <p:pic>
+            <p:nvPicPr>
+              <p:cNvPr id="2" name="Ink 1">
+                <a:extLst>
+                  <a:ext uri="{FF2B5EF4-FFF2-40B4-BE49-F238E27FC236}">
+                    <a16:creationId xmlns:a16="http://schemas.microsoft.com/office/drawing/2014/main" id="{DA472E85-1226-440E-896B-08B09C9A6A87}"/>
+                  </a:ext>
+                </a:extLst>
+              </p:cNvPr>
+              <p:cNvPicPr/>
+              <p:nvPr/>
+            </p:nvPicPr>
+            <p:blipFill>
+              <a:blip r:embed="rId61"/>
+              <a:stretch>
+                <a:fillRect/>
+              </a:stretch>
+            </p:blipFill>
+            <p:spPr>
+              <a:xfrm>
+                <a:off x="2505660" y="-771320"/>
+                <a:ext cx="30600" cy="18000"/>
+              </a:xfrm>
+              <a:prstGeom prst="rect">
+                <a:avLst/>
+              </a:prstGeom>
+            </p:spPr>
+          </p:pic>
+        </mc:Fallback>
+      </mc:AlternateContent>
+      <mc:AlternateContent xmlns:mc="http://schemas.openxmlformats.org/markup-compatibility/2006">
+        <mc:Choice xmlns:p14="http://schemas.microsoft.com/office/powerpoint/2010/main" Requires="p14">
+          <p:contentPart p14:bwMode="auto" r:id="rId62">
+            <p14:nvContentPartPr>
+              <p14:cNvPr id="3" name="Ink 2">
+                <a:extLst>
+                  <a:ext uri="{FF2B5EF4-FFF2-40B4-BE49-F238E27FC236}">
+                    <a16:creationId xmlns:a16="http://schemas.microsoft.com/office/drawing/2014/main" id="{B55455CE-2859-4E40-8050-F21642F66909}"/>
+                  </a:ext>
+                </a:extLst>
+              </p14:cNvPr>
+              <p14:cNvContentPartPr/>
+              <p14:nvPr/>
+            </p14:nvContentPartPr>
+            <p14:xfrm>
+              <a:off x="393540" y="866320"/>
+              <a:ext cx="2531160" cy="786960"/>
+            </p14:xfrm>
+          </p:contentPart>
+        </mc:Choice>
+        <mc:Fallback>
+          <p:pic>
+            <p:nvPicPr>
+              <p:cNvPr id="3" name="Ink 2">
+                <a:extLst>
+                  <a:ext uri="{FF2B5EF4-FFF2-40B4-BE49-F238E27FC236}">
+                    <a16:creationId xmlns:a16="http://schemas.microsoft.com/office/drawing/2014/main" id="{B55455CE-2859-4E40-8050-F21642F66909}"/>
+                  </a:ext>
+                </a:extLst>
+              </p:cNvPr>
+              <p:cNvPicPr/>
+              <p:nvPr/>
+            </p:nvPicPr>
+            <p:blipFill>
+              <a:blip r:embed="rId63"/>
+              <a:stretch>
+                <a:fillRect/>
+              </a:stretch>
+            </p:blipFill>
+            <p:spPr>
+              <a:xfrm>
+                <a:off x="384540" y="857680"/>
+                <a:ext cx="2548800" cy="804600"/>
+              </a:xfrm>
+              <a:prstGeom prst="rect">
+                <a:avLst/>
+              </a:prstGeom>
+            </p:spPr>
+          </p:pic>
+        </mc:Fallback>
+      </mc:AlternateContent>
+      <p:grpSp>
+        <p:nvGrpSpPr>
+          <p:cNvPr id="55" name="Group 54">
+            <a:extLst>
+              <a:ext uri="{FF2B5EF4-FFF2-40B4-BE49-F238E27FC236}">
+                <a16:creationId xmlns:a16="http://schemas.microsoft.com/office/drawing/2014/main" id="{44A257D0-B3AC-4FF6-8C13-AD7F22749082}"/>
+              </a:ext>
+            </a:extLst>
+          </p:cNvPr>
+          <p:cNvGrpSpPr/>
+          <p:nvPr/>
+        </p:nvGrpSpPr>
+        <p:grpSpPr>
+          <a:xfrm>
+            <a:off x="342420" y="1434760"/>
+            <a:ext cx="2454480" cy="2966760"/>
+            <a:chOff x="342420" y="1434760"/>
+            <a:chExt cx="2454480" cy="2966760"/>
+          </a:xfrm>
+        </p:grpSpPr>
+        <mc:AlternateContent xmlns:mc="http://schemas.openxmlformats.org/markup-compatibility/2006">
+          <mc:Choice xmlns:p14="http://schemas.microsoft.com/office/powerpoint/2010/main" Requires="p14">
+            <p:contentPart p14:bwMode="auto" r:id="rId64">
+              <p14:nvContentPartPr>
+                <p14:cNvPr id="8" name="Ink 7">
+                  <a:extLst>
+                    <a:ext uri="{FF2B5EF4-FFF2-40B4-BE49-F238E27FC236}">
+                      <a16:creationId xmlns:a16="http://schemas.microsoft.com/office/drawing/2014/main" id="{C428662A-4CC4-42C1-8C7A-7596EF3C76DA}"/>
+                    </a:ext>
+                  </a:extLst>
+                </p14:cNvPr>
+                <p14:cNvContentPartPr/>
+                <p14:nvPr/>
+              </p14:nvContentPartPr>
+              <p14:xfrm>
+                <a:off x="342420" y="1612600"/>
+                <a:ext cx="2454480" cy="2788920"/>
+              </p14:xfrm>
+            </p:contentPart>
+          </mc:Choice>
+          <mc:Fallback>
+            <p:pic>
+              <p:nvPicPr>
+                <p:cNvPr id="8" name="Ink 7">
+                  <a:extLst>
+                    <a:ext uri="{FF2B5EF4-FFF2-40B4-BE49-F238E27FC236}">
+                      <a16:creationId xmlns:a16="http://schemas.microsoft.com/office/drawing/2014/main" id="{C428662A-4CC4-42C1-8C7A-7596EF3C76DA}"/>
+                    </a:ext>
+                  </a:extLst>
+                </p:cNvPr>
+                <p:cNvPicPr/>
+                <p:nvPr/>
+              </p:nvPicPr>
+              <p:blipFill>
+                <a:blip r:embed="rId65"/>
+                <a:stretch>
+                  <a:fillRect/>
+                </a:stretch>
+              </p:blipFill>
+              <p:spPr>
+                <a:xfrm>
+                  <a:off x="333780" y="1603600"/>
+                  <a:ext cx="2472120" cy="2806560"/>
+                </a:xfrm>
+                <a:prstGeom prst="rect">
+                  <a:avLst/>
+                </a:prstGeom>
+              </p:spPr>
+            </p:pic>
+          </mc:Fallback>
+        </mc:AlternateContent>
+        <mc:AlternateContent xmlns:mc="http://schemas.openxmlformats.org/markup-compatibility/2006">
+          <mc:Choice xmlns:p14="http://schemas.microsoft.com/office/powerpoint/2010/main" Requires="p14">
+            <p:contentPart p14:bwMode="auto" r:id="rId66">
+              <p14:nvContentPartPr>
+                <p14:cNvPr id="22" name="Ink 21">
+                  <a:extLst>
+                    <a:ext uri="{FF2B5EF4-FFF2-40B4-BE49-F238E27FC236}">
+                      <a16:creationId xmlns:a16="http://schemas.microsoft.com/office/drawing/2014/main" id="{9DDFB5DC-0ECF-456E-B1DE-CFFFE504C10F}"/>
+                    </a:ext>
+                  </a:extLst>
+                </p14:cNvPr>
+                <p14:cNvContentPartPr/>
+                <p14:nvPr/>
+              </p14:nvContentPartPr>
+              <p14:xfrm>
+                <a:off x="1295340" y="2120920"/>
+                <a:ext cx="77040" cy="459000"/>
+              </p14:xfrm>
+            </p:contentPart>
+          </mc:Choice>
+          <mc:Fallback>
+            <p:pic>
+              <p:nvPicPr>
+                <p:cNvPr id="22" name="Ink 21">
+                  <a:extLst>
+                    <a:ext uri="{FF2B5EF4-FFF2-40B4-BE49-F238E27FC236}">
+                      <a16:creationId xmlns:a16="http://schemas.microsoft.com/office/drawing/2014/main" id="{9DDFB5DC-0ECF-456E-B1DE-CFFFE504C10F}"/>
+                    </a:ext>
+                  </a:extLst>
+                </p:cNvPr>
+                <p:cNvPicPr/>
+                <p:nvPr/>
+              </p:nvPicPr>
+              <p:blipFill>
+                <a:blip r:embed="rId67"/>
+                <a:stretch>
+                  <a:fillRect/>
+                </a:stretch>
+              </p:blipFill>
+              <p:spPr>
+                <a:xfrm>
+                  <a:off x="1286340" y="2111920"/>
+                  <a:ext cx="94680" cy="476640"/>
+                </a:xfrm>
+                <a:prstGeom prst="rect">
+                  <a:avLst/>
+                </a:prstGeom>
+              </p:spPr>
+            </p:pic>
+          </mc:Fallback>
+        </mc:AlternateContent>
+        <mc:AlternateContent xmlns:mc="http://schemas.openxmlformats.org/markup-compatibility/2006">
+          <mc:Choice xmlns:p14="http://schemas.microsoft.com/office/powerpoint/2010/main" Requires="p14">
+            <p:contentPart p14:bwMode="auto" r:id="rId68">
+              <p14:nvContentPartPr>
+                <p14:cNvPr id="36" name="Ink 35">
+                  <a:extLst>
+                    <a:ext uri="{FF2B5EF4-FFF2-40B4-BE49-F238E27FC236}">
+                      <a16:creationId xmlns:a16="http://schemas.microsoft.com/office/drawing/2014/main" id="{98D0F0BA-4F3D-4311-A21B-E2BF42BD8029}"/>
+                    </a:ext>
+                  </a:extLst>
+                </p14:cNvPr>
+                <p14:cNvContentPartPr/>
+                <p14:nvPr/>
+              </p14:nvContentPartPr>
+              <p14:xfrm>
+                <a:off x="1320180" y="2107960"/>
+                <a:ext cx="674640" cy="618120"/>
+              </p14:xfrm>
+            </p:contentPart>
+          </mc:Choice>
+          <mc:Fallback>
+            <p:pic>
+              <p:nvPicPr>
+                <p:cNvPr id="36" name="Ink 35">
+                  <a:extLst>
+                    <a:ext uri="{FF2B5EF4-FFF2-40B4-BE49-F238E27FC236}">
+                      <a16:creationId xmlns:a16="http://schemas.microsoft.com/office/drawing/2014/main" id="{98D0F0BA-4F3D-4311-A21B-E2BF42BD8029}"/>
+                    </a:ext>
+                  </a:extLst>
+                </p:cNvPr>
+                <p:cNvPicPr/>
+                <p:nvPr/>
+              </p:nvPicPr>
+              <p:blipFill>
+                <a:blip r:embed="rId69"/>
+                <a:stretch>
+                  <a:fillRect/>
+                </a:stretch>
+              </p:blipFill>
+              <p:spPr>
+                <a:xfrm>
+                  <a:off x="1311540" y="2099320"/>
+                  <a:ext cx="692280" cy="635760"/>
+                </a:xfrm>
+                <a:prstGeom prst="rect">
+                  <a:avLst/>
+                </a:prstGeom>
+              </p:spPr>
+            </p:pic>
+          </mc:Fallback>
+        </mc:AlternateContent>
+        <mc:AlternateContent xmlns:mc="http://schemas.openxmlformats.org/markup-compatibility/2006">
+          <mc:Choice xmlns:p14="http://schemas.microsoft.com/office/powerpoint/2010/main" Requires="p14">
+            <p:contentPart p14:bwMode="auto" r:id="rId70">
+              <p14:nvContentPartPr>
+                <p14:cNvPr id="37" name="Ink 36">
+                  <a:extLst>
+                    <a:ext uri="{FF2B5EF4-FFF2-40B4-BE49-F238E27FC236}">
+                      <a16:creationId xmlns:a16="http://schemas.microsoft.com/office/drawing/2014/main" id="{63D6AF46-2E5E-4BF9-A1A3-C57231C72622}"/>
+                    </a:ext>
+                  </a:extLst>
+                </p14:cNvPr>
+                <p14:cNvContentPartPr/>
+                <p14:nvPr/>
+              </p14:nvContentPartPr>
+              <p14:xfrm>
+                <a:off x="1459860" y="2615560"/>
+                <a:ext cx="376200" cy="26640"/>
+              </p14:xfrm>
+            </p:contentPart>
+          </mc:Choice>
+          <mc:Fallback>
+            <p:pic>
+              <p:nvPicPr>
+                <p:cNvPr id="37" name="Ink 36">
+                  <a:extLst>
+                    <a:ext uri="{FF2B5EF4-FFF2-40B4-BE49-F238E27FC236}">
+                      <a16:creationId xmlns:a16="http://schemas.microsoft.com/office/drawing/2014/main" id="{63D6AF46-2E5E-4BF9-A1A3-C57231C72622}"/>
+                    </a:ext>
+                  </a:extLst>
+                </p:cNvPr>
+                <p:cNvPicPr/>
+                <p:nvPr/>
+              </p:nvPicPr>
+              <p:blipFill>
+                <a:blip r:embed="rId71"/>
+                <a:stretch>
+                  <a:fillRect/>
+                </a:stretch>
+              </p:blipFill>
+              <p:spPr>
+                <a:xfrm>
+                  <a:off x="1451220" y="2606920"/>
+                  <a:ext cx="393840" cy="44280"/>
+                </a:xfrm>
+                <a:prstGeom prst="rect">
+                  <a:avLst/>
+                </a:prstGeom>
+              </p:spPr>
+            </p:pic>
+          </mc:Fallback>
+        </mc:AlternateContent>
+        <mc:AlternateContent xmlns:mc="http://schemas.openxmlformats.org/markup-compatibility/2006">
+          <mc:Choice xmlns:p14="http://schemas.microsoft.com/office/powerpoint/2010/main" Requires="p14">
+            <p:contentPart p14:bwMode="auto" r:id="rId72">
+              <p14:nvContentPartPr>
+                <p14:cNvPr id="38" name="Ink 37">
+                  <a:extLst>
+                    <a:ext uri="{FF2B5EF4-FFF2-40B4-BE49-F238E27FC236}">
+                      <a16:creationId xmlns:a16="http://schemas.microsoft.com/office/drawing/2014/main" id="{1D701C4F-C5ED-457B-B2E5-9458032CAB1A}"/>
+                    </a:ext>
+                  </a:extLst>
+                </p14:cNvPr>
+                <p14:cNvContentPartPr/>
+                <p14:nvPr/>
+              </p14:nvContentPartPr>
+              <p14:xfrm>
+                <a:off x="850380" y="2450680"/>
+                <a:ext cx="91800" cy="418320"/>
+              </p14:xfrm>
+            </p:contentPart>
+          </mc:Choice>
+          <mc:Fallback>
+            <p:pic>
+              <p:nvPicPr>
+                <p:cNvPr id="38" name="Ink 37">
+                  <a:extLst>
+                    <a:ext uri="{FF2B5EF4-FFF2-40B4-BE49-F238E27FC236}">
+                      <a16:creationId xmlns:a16="http://schemas.microsoft.com/office/drawing/2014/main" id="{1D701C4F-C5ED-457B-B2E5-9458032CAB1A}"/>
+                    </a:ext>
+                  </a:extLst>
+                </p:cNvPr>
+                <p:cNvPicPr/>
+                <p:nvPr/>
+              </p:nvPicPr>
+              <p:blipFill>
+                <a:blip r:embed="rId73"/>
+                <a:stretch>
+                  <a:fillRect/>
+                </a:stretch>
+              </p:blipFill>
+              <p:spPr>
+                <a:xfrm>
+                  <a:off x="841380" y="2441680"/>
+                  <a:ext cx="109440" cy="435960"/>
+                </a:xfrm>
+                <a:prstGeom prst="rect">
+                  <a:avLst/>
+                </a:prstGeom>
+              </p:spPr>
+            </p:pic>
+          </mc:Fallback>
+        </mc:AlternateContent>
+        <mc:AlternateContent xmlns:mc="http://schemas.openxmlformats.org/markup-compatibility/2006">
+          <mc:Choice xmlns:p14="http://schemas.microsoft.com/office/powerpoint/2010/main" Requires="p14">
+            <p:contentPart p14:bwMode="auto" r:id="rId74">
+              <p14:nvContentPartPr>
+                <p14:cNvPr id="39" name="Ink 38">
+                  <a:extLst>
+                    <a:ext uri="{FF2B5EF4-FFF2-40B4-BE49-F238E27FC236}">
+                      <a16:creationId xmlns:a16="http://schemas.microsoft.com/office/drawing/2014/main" id="{33A89BFD-9148-4B13-9CBC-993CB1185DDF}"/>
+                    </a:ext>
+                  </a:extLst>
+                </p14:cNvPr>
+                <p14:cNvContentPartPr/>
+                <p14:nvPr/>
+              </p14:nvContentPartPr>
+              <p14:xfrm>
+                <a:off x="888900" y="2501440"/>
+                <a:ext cx="398880" cy="44280"/>
+              </p14:xfrm>
+            </p:contentPart>
+          </mc:Choice>
+          <mc:Fallback>
+            <p:pic>
+              <p:nvPicPr>
+                <p:cNvPr id="39" name="Ink 38">
+                  <a:extLst>
+                    <a:ext uri="{FF2B5EF4-FFF2-40B4-BE49-F238E27FC236}">
+                      <a16:creationId xmlns:a16="http://schemas.microsoft.com/office/drawing/2014/main" id="{33A89BFD-9148-4B13-9CBC-993CB1185DDF}"/>
+                    </a:ext>
+                  </a:extLst>
+                </p:cNvPr>
+                <p:cNvPicPr/>
+                <p:nvPr/>
+              </p:nvPicPr>
+              <p:blipFill>
+                <a:blip r:embed="rId75"/>
+                <a:stretch>
+                  <a:fillRect/>
+                </a:stretch>
+              </p:blipFill>
+              <p:spPr>
+                <a:xfrm>
+                  <a:off x="879900" y="2492440"/>
+                  <a:ext cx="416520" cy="61920"/>
+                </a:xfrm>
+                <a:prstGeom prst="rect">
+                  <a:avLst/>
+                </a:prstGeom>
+              </p:spPr>
+            </p:pic>
+          </mc:Fallback>
+        </mc:AlternateContent>
+        <mc:AlternateContent xmlns:mc="http://schemas.openxmlformats.org/markup-compatibility/2006">
+          <mc:Choice xmlns:p14="http://schemas.microsoft.com/office/powerpoint/2010/main" Requires="p14">
+            <p:contentPart p14:bwMode="auto" r:id="rId76">
+              <p14:nvContentPartPr>
+                <p14:cNvPr id="40" name="Ink 39">
+                  <a:extLst>
+                    <a:ext uri="{FF2B5EF4-FFF2-40B4-BE49-F238E27FC236}">
+                      <a16:creationId xmlns:a16="http://schemas.microsoft.com/office/drawing/2014/main" id="{DA66CD6C-6B63-4F17-AF12-873AF56C28E0}"/>
+                    </a:ext>
+                  </a:extLst>
+                </p14:cNvPr>
+                <p14:cNvContentPartPr/>
+                <p14:nvPr/>
+              </p14:nvContentPartPr>
+              <p14:xfrm>
+                <a:off x="939660" y="2622040"/>
+                <a:ext cx="746640" cy="336960"/>
+              </p14:xfrm>
+            </p:contentPart>
+          </mc:Choice>
+          <mc:Fallback>
+            <p:pic>
+              <p:nvPicPr>
+                <p:cNvPr id="40" name="Ink 39">
+                  <a:extLst>
+                    <a:ext uri="{FF2B5EF4-FFF2-40B4-BE49-F238E27FC236}">
+                      <a16:creationId xmlns:a16="http://schemas.microsoft.com/office/drawing/2014/main" id="{DA66CD6C-6B63-4F17-AF12-873AF56C28E0}"/>
+                    </a:ext>
+                  </a:extLst>
+                </p:cNvPr>
+                <p:cNvPicPr/>
+                <p:nvPr/>
+              </p:nvPicPr>
+              <p:blipFill>
+                <a:blip r:embed="rId77"/>
+                <a:stretch>
+                  <a:fillRect/>
+                </a:stretch>
+              </p:blipFill>
+              <p:spPr>
+                <a:xfrm>
+                  <a:off x="930660" y="2613400"/>
+                  <a:ext cx="764280" cy="354600"/>
+                </a:xfrm>
+                <a:prstGeom prst="rect">
+                  <a:avLst/>
+                </a:prstGeom>
+              </p:spPr>
+            </p:pic>
+          </mc:Fallback>
+        </mc:AlternateContent>
+        <mc:AlternateContent xmlns:mc="http://schemas.openxmlformats.org/markup-compatibility/2006">
+          <mc:Choice xmlns:p14="http://schemas.microsoft.com/office/powerpoint/2010/main" Requires="p14">
+            <p:contentPart p14:bwMode="auto" r:id="rId78">
+              <p14:nvContentPartPr>
+                <p14:cNvPr id="42" name="Ink 41">
+                  <a:extLst>
+                    <a:ext uri="{FF2B5EF4-FFF2-40B4-BE49-F238E27FC236}">
+                      <a16:creationId xmlns:a16="http://schemas.microsoft.com/office/drawing/2014/main" id="{B8DA0F9B-1ED8-47A5-A787-53AB9D9C2D88}"/>
+                    </a:ext>
+                  </a:extLst>
+                </p14:cNvPr>
+                <p14:cNvContentPartPr/>
+                <p14:nvPr/>
+              </p14:nvContentPartPr>
+              <p14:xfrm>
+                <a:off x="858660" y="3069520"/>
+                <a:ext cx="1036080" cy="438120"/>
+              </p14:xfrm>
+            </p:contentPart>
+          </mc:Choice>
+          <mc:Fallback>
+            <p:pic>
+              <p:nvPicPr>
+                <p:cNvPr id="42" name="Ink 41">
+                  <a:extLst>
+                    <a:ext uri="{FF2B5EF4-FFF2-40B4-BE49-F238E27FC236}">
+                      <a16:creationId xmlns:a16="http://schemas.microsoft.com/office/drawing/2014/main" id="{B8DA0F9B-1ED8-47A5-A787-53AB9D9C2D88}"/>
+                    </a:ext>
+                  </a:extLst>
+                </p:cNvPr>
+                <p:cNvPicPr/>
+                <p:nvPr/>
+              </p:nvPicPr>
+              <p:blipFill>
+                <a:blip r:embed="rId79"/>
+                <a:stretch>
+                  <a:fillRect/>
+                </a:stretch>
+              </p:blipFill>
+              <p:spPr>
+                <a:xfrm>
+                  <a:off x="850020" y="3060880"/>
+                  <a:ext cx="1053720" cy="455760"/>
+                </a:xfrm>
+                <a:prstGeom prst="rect">
+                  <a:avLst/>
+                </a:prstGeom>
+              </p:spPr>
+            </p:pic>
+          </mc:Fallback>
+        </mc:AlternateContent>
+        <mc:AlternateContent xmlns:mc="http://schemas.openxmlformats.org/markup-compatibility/2006">
+          <mc:Choice xmlns:p14="http://schemas.microsoft.com/office/powerpoint/2010/main" Requires="p14">
+            <p:contentPart p14:bwMode="auto" r:id="rId80">
+              <p14:nvContentPartPr>
+                <p14:cNvPr id="43" name="Ink 42">
+                  <a:extLst>
+                    <a:ext uri="{FF2B5EF4-FFF2-40B4-BE49-F238E27FC236}">
+                      <a16:creationId xmlns:a16="http://schemas.microsoft.com/office/drawing/2014/main" id="{86EC2975-7523-4BDE-ACC8-1D15FC6303FD}"/>
+                    </a:ext>
+                  </a:extLst>
+                </p14:cNvPr>
+                <p14:cNvContentPartPr/>
+                <p14:nvPr/>
+              </p14:nvContentPartPr>
+              <p14:xfrm>
+                <a:off x="824100" y="3116680"/>
+                <a:ext cx="1284840" cy="440280"/>
+              </p14:xfrm>
+            </p:contentPart>
+          </mc:Choice>
+          <mc:Fallback>
+            <p:pic>
+              <p:nvPicPr>
+                <p:cNvPr id="43" name="Ink 42">
+                  <a:extLst>
+                    <a:ext uri="{FF2B5EF4-FFF2-40B4-BE49-F238E27FC236}">
+                      <a16:creationId xmlns:a16="http://schemas.microsoft.com/office/drawing/2014/main" id="{86EC2975-7523-4BDE-ACC8-1D15FC6303FD}"/>
+                    </a:ext>
+                  </a:extLst>
+                </p:cNvPr>
+                <p:cNvPicPr/>
+                <p:nvPr/>
+              </p:nvPicPr>
+              <p:blipFill>
+                <a:blip r:embed="rId81"/>
+                <a:stretch>
+                  <a:fillRect/>
+                </a:stretch>
+              </p:blipFill>
+              <p:spPr>
+                <a:xfrm>
+                  <a:off x="815460" y="3108040"/>
+                  <a:ext cx="1302480" cy="457920"/>
+                </a:xfrm>
+                <a:prstGeom prst="rect">
+                  <a:avLst/>
+                </a:prstGeom>
+              </p:spPr>
+            </p:pic>
+          </mc:Fallback>
+        </mc:AlternateContent>
+        <mc:AlternateContent xmlns:mc="http://schemas.openxmlformats.org/markup-compatibility/2006">
+          <mc:Choice xmlns:p14="http://schemas.microsoft.com/office/powerpoint/2010/main" Requires="p14">
+            <p:contentPart p14:bwMode="auto" r:id="rId82">
+              <p14:nvContentPartPr>
+                <p14:cNvPr id="44" name="Ink 43">
+                  <a:extLst>
+                    <a:ext uri="{FF2B5EF4-FFF2-40B4-BE49-F238E27FC236}">
+                      <a16:creationId xmlns:a16="http://schemas.microsoft.com/office/drawing/2014/main" id="{D11BCF1C-EEFA-4277-98B4-51CD026DE0A2}"/>
+                    </a:ext>
+                  </a:extLst>
+                </p14:cNvPr>
+                <p14:cNvContentPartPr/>
+                <p14:nvPr/>
+              </p14:nvContentPartPr>
+              <p14:xfrm>
+                <a:off x="1282380" y="2894920"/>
+                <a:ext cx="150480" cy="324720"/>
+              </p14:xfrm>
+            </p:contentPart>
+          </mc:Choice>
+          <mc:Fallback>
+            <p:pic>
+              <p:nvPicPr>
+                <p:cNvPr id="44" name="Ink 43">
+                  <a:extLst>
+                    <a:ext uri="{FF2B5EF4-FFF2-40B4-BE49-F238E27FC236}">
+                      <a16:creationId xmlns:a16="http://schemas.microsoft.com/office/drawing/2014/main" id="{D11BCF1C-EEFA-4277-98B4-51CD026DE0A2}"/>
+                    </a:ext>
+                  </a:extLst>
+                </p:cNvPr>
+                <p:cNvPicPr/>
+                <p:nvPr/>
+              </p:nvPicPr>
+              <p:blipFill>
+                <a:blip r:embed="rId83"/>
+                <a:stretch>
+                  <a:fillRect/>
+                </a:stretch>
+              </p:blipFill>
+              <p:spPr>
+                <a:xfrm>
+                  <a:off x="1273380" y="2886280"/>
+                  <a:ext cx="168120" cy="342360"/>
+                </a:xfrm>
+                <a:prstGeom prst="rect">
+                  <a:avLst/>
+                </a:prstGeom>
+              </p:spPr>
+            </p:pic>
+          </mc:Fallback>
+        </mc:AlternateContent>
+        <mc:AlternateContent xmlns:mc="http://schemas.openxmlformats.org/markup-compatibility/2006">
+          <mc:Choice xmlns:p14="http://schemas.microsoft.com/office/powerpoint/2010/main" Requires="p14">
+            <p:contentPart p14:bwMode="auto" r:id="rId84">
+              <p14:nvContentPartPr>
+                <p14:cNvPr id="45" name="Ink 44">
+                  <a:extLst>
+                    <a:ext uri="{FF2B5EF4-FFF2-40B4-BE49-F238E27FC236}">
+                      <a16:creationId xmlns:a16="http://schemas.microsoft.com/office/drawing/2014/main" id="{FA55D710-5CD5-47FB-A44D-64D188E86D94}"/>
+                    </a:ext>
+                  </a:extLst>
+                </p14:cNvPr>
+                <p14:cNvContentPartPr/>
+                <p14:nvPr/>
+              </p14:nvContentPartPr>
+              <p14:xfrm>
+                <a:off x="1815900" y="2577760"/>
+                <a:ext cx="13320" cy="447120"/>
+              </p14:xfrm>
+            </p:contentPart>
+          </mc:Choice>
+          <mc:Fallback>
+            <p:pic>
+              <p:nvPicPr>
+                <p:cNvPr id="45" name="Ink 44">
+                  <a:extLst>
+                    <a:ext uri="{FF2B5EF4-FFF2-40B4-BE49-F238E27FC236}">
+                      <a16:creationId xmlns:a16="http://schemas.microsoft.com/office/drawing/2014/main" id="{FA55D710-5CD5-47FB-A44D-64D188E86D94}"/>
+                    </a:ext>
+                  </a:extLst>
+                </p:cNvPr>
+                <p:cNvPicPr/>
+                <p:nvPr/>
+              </p:nvPicPr>
+              <p:blipFill>
+                <a:blip r:embed="rId85"/>
+                <a:stretch>
+                  <a:fillRect/>
+                </a:stretch>
+              </p:blipFill>
+              <p:spPr>
+                <a:xfrm>
+                  <a:off x="1806900" y="2568760"/>
+                  <a:ext cx="30960" cy="464760"/>
+                </a:xfrm>
+                <a:prstGeom prst="rect">
+                  <a:avLst/>
+                </a:prstGeom>
+              </p:spPr>
+            </p:pic>
+          </mc:Fallback>
+        </mc:AlternateContent>
+        <mc:AlternateContent xmlns:mc="http://schemas.openxmlformats.org/markup-compatibility/2006">
+          <mc:Choice xmlns:p14="http://schemas.microsoft.com/office/powerpoint/2010/main" Requires="p14">
+            <p:contentPart p14:bwMode="auto" r:id="rId86">
+              <p14:nvContentPartPr>
+                <p14:cNvPr id="51" name="Ink 50">
+                  <a:extLst>
+                    <a:ext uri="{FF2B5EF4-FFF2-40B4-BE49-F238E27FC236}">
+                      <a16:creationId xmlns:a16="http://schemas.microsoft.com/office/drawing/2014/main" id="{077EA218-2D65-4A5A-9BC8-D7373661A2D7}"/>
+                    </a:ext>
+                  </a:extLst>
+                </p14:cNvPr>
+                <p14:cNvContentPartPr/>
+                <p14:nvPr/>
+              </p14:nvContentPartPr>
+              <p14:xfrm>
+                <a:off x="576780" y="1434760"/>
+                <a:ext cx="1289880" cy="1660320"/>
+              </p14:xfrm>
+            </p:contentPart>
+          </mc:Choice>
+          <mc:Fallback>
+            <p:pic>
+              <p:nvPicPr>
+                <p:cNvPr id="51" name="Ink 50">
+                  <a:extLst>
+                    <a:ext uri="{FF2B5EF4-FFF2-40B4-BE49-F238E27FC236}">
+                      <a16:creationId xmlns:a16="http://schemas.microsoft.com/office/drawing/2014/main" id="{077EA218-2D65-4A5A-9BC8-D7373661A2D7}"/>
+                    </a:ext>
+                  </a:extLst>
+                </p:cNvPr>
+                <p:cNvPicPr/>
+                <p:nvPr/>
+              </p:nvPicPr>
+              <p:blipFill>
+                <a:blip r:embed="rId87"/>
+                <a:stretch>
+                  <a:fillRect/>
+                </a:stretch>
+              </p:blipFill>
+              <p:spPr>
+                <a:xfrm>
+                  <a:off x="568140" y="1426120"/>
+                  <a:ext cx="1307520" cy="1677960"/>
+                </a:xfrm>
+                <a:prstGeom prst="rect">
+                  <a:avLst/>
+                </a:prstGeom>
+              </p:spPr>
+            </p:pic>
+          </mc:Fallback>
+        </mc:AlternateContent>
+        <mc:AlternateContent xmlns:mc="http://schemas.openxmlformats.org/markup-compatibility/2006">
+          <mc:Choice xmlns:p14="http://schemas.microsoft.com/office/powerpoint/2010/main" Requires="p14">
+            <p:contentPart p14:bwMode="auto" r:id="rId88">
+              <p14:nvContentPartPr>
+                <p14:cNvPr id="52" name="Ink 51">
+                  <a:extLst>
+                    <a:ext uri="{FF2B5EF4-FFF2-40B4-BE49-F238E27FC236}">
+                      <a16:creationId xmlns:a16="http://schemas.microsoft.com/office/drawing/2014/main" id="{EC6E354F-87F1-4B4E-9CC9-AABA995966C4}"/>
+                    </a:ext>
+                  </a:extLst>
+                </p14:cNvPr>
+                <p14:cNvContentPartPr/>
+                <p14:nvPr/>
+              </p14:nvContentPartPr>
+              <p14:xfrm>
+                <a:off x="2045940" y="1930120"/>
+                <a:ext cx="455760" cy="1074240"/>
+              </p14:xfrm>
+            </p:contentPart>
+          </mc:Choice>
+          <mc:Fallback>
+            <p:pic>
+              <p:nvPicPr>
+                <p:cNvPr id="52" name="Ink 51">
+                  <a:extLst>
+                    <a:ext uri="{FF2B5EF4-FFF2-40B4-BE49-F238E27FC236}">
+                      <a16:creationId xmlns:a16="http://schemas.microsoft.com/office/drawing/2014/main" id="{EC6E354F-87F1-4B4E-9CC9-AABA995966C4}"/>
+                    </a:ext>
+                  </a:extLst>
+                </p:cNvPr>
+                <p:cNvPicPr/>
+                <p:nvPr/>
+              </p:nvPicPr>
+              <p:blipFill>
+                <a:blip r:embed="rId89"/>
+                <a:stretch>
+                  <a:fillRect/>
+                </a:stretch>
+              </p:blipFill>
+              <p:spPr>
+                <a:xfrm>
+                  <a:off x="2037300" y="1921480"/>
+                  <a:ext cx="473400" cy="1091880"/>
+                </a:xfrm>
+                <a:prstGeom prst="rect">
+                  <a:avLst/>
+                </a:prstGeom>
+              </p:spPr>
+            </p:pic>
+          </mc:Fallback>
+        </mc:AlternateContent>
+        <mc:AlternateContent xmlns:mc="http://schemas.openxmlformats.org/markup-compatibility/2006">
+          <mc:Choice xmlns:p14="http://schemas.microsoft.com/office/powerpoint/2010/main" Requires="p14">
+            <p:contentPart p14:bwMode="auto" r:id="rId90">
+              <p14:nvContentPartPr>
+                <p14:cNvPr id="47" name="Ink 46">
+                  <a:extLst>
+                    <a:ext uri="{FF2B5EF4-FFF2-40B4-BE49-F238E27FC236}">
+                      <a16:creationId xmlns:a16="http://schemas.microsoft.com/office/drawing/2014/main" id="{22710817-F4AC-409F-8AD6-B1B2F0AF1DC9}"/>
+                    </a:ext>
+                  </a:extLst>
+                </p14:cNvPr>
+                <p14:cNvContentPartPr/>
+                <p14:nvPr/>
+              </p14:nvContentPartPr>
+              <p14:xfrm>
+                <a:off x="1508460" y="3809320"/>
+                <a:ext cx="214920" cy="207360"/>
+              </p14:xfrm>
+            </p:contentPart>
+          </mc:Choice>
+          <mc:Fallback>
+            <p:pic>
+              <p:nvPicPr>
+                <p:cNvPr id="47" name="Ink 46">
+                  <a:extLst>
+                    <a:ext uri="{FF2B5EF4-FFF2-40B4-BE49-F238E27FC236}">
+                      <a16:creationId xmlns:a16="http://schemas.microsoft.com/office/drawing/2014/main" id="{22710817-F4AC-409F-8AD6-B1B2F0AF1DC9}"/>
+                    </a:ext>
+                  </a:extLst>
+                </p:cNvPr>
+                <p:cNvPicPr/>
+                <p:nvPr/>
+              </p:nvPicPr>
+              <p:blipFill>
+                <a:blip r:embed="rId91"/>
+                <a:stretch>
+                  <a:fillRect/>
+                </a:stretch>
+              </p:blipFill>
+              <p:spPr>
+                <a:xfrm>
+                  <a:off x="1499820" y="3800320"/>
+                  <a:ext cx="232560" cy="225000"/>
+                </a:xfrm>
+                <a:prstGeom prst="rect">
+                  <a:avLst/>
+                </a:prstGeom>
+              </p:spPr>
+            </p:pic>
+          </mc:Fallback>
+        </mc:AlternateContent>
+        <mc:AlternateContent xmlns:mc="http://schemas.openxmlformats.org/markup-compatibility/2006">
+          <mc:Choice xmlns:p14="http://schemas.microsoft.com/office/powerpoint/2010/main" Requires="p14">
+            <p:contentPart p14:bwMode="auto" r:id="rId92">
+              <p14:nvContentPartPr>
+                <p14:cNvPr id="48" name="Ink 47">
+                  <a:extLst>
+                    <a:ext uri="{FF2B5EF4-FFF2-40B4-BE49-F238E27FC236}">
+                      <a16:creationId xmlns:a16="http://schemas.microsoft.com/office/drawing/2014/main" id="{7A106AEA-D801-49B8-AF08-998D1FF823D8}"/>
+                    </a:ext>
+                  </a:extLst>
+                </p14:cNvPr>
+                <p14:cNvContentPartPr/>
+                <p14:nvPr/>
+              </p14:nvContentPartPr>
+              <p14:xfrm>
+                <a:off x="1499460" y="3839200"/>
+                <a:ext cx="253440" cy="227880"/>
+              </p14:xfrm>
+            </p:contentPart>
+          </mc:Choice>
+          <mc:Fallback>
+            <p:pic>
+              <p:nvPicPr>
+                <p:cNvPr id="48" name="Ink 47">
+                  <a:extLst>
+                    <a:ext uri="{FF2B5EF4-FFF2-40B4-BE49-F238E27FC236}">
+                      <a16:creationId xmlns:a16="http://schemas.microsoft.com/office/drawing/2014/main" id="{7A106AEA-D801-49B8-AF08-998D1FF823D8}"/>
+                    </a:ext>
+                  </a:extLst>
+                </p:cNvPr>
+                <p:cNvPicPr/>
+                <p:nvPr/>
+              </p:nvPicPr>
+              <p:blipFill>
+                <a:blip r:embed="rId93"/>
+                <a:stretch>
+                  <a:fillRect/>
+                </a:stretch>
+              </p:blipFill>
+              <p:spPr>
+                <a:xfrm>
+                  <a:off x="1490460" y="3830560"/>
+                  <a:ext cx="271080" cy="245520"/>
+                </a:xfrm>
+                <a:prstGeom prst="rect">
+                  <a:avLst/>
+                </a:prstGeom>
+              </p:spPr>
+            </p:pic>
+          </mc:Fallback>
+        </mc:AlternateContent>
+        <mc:AlternateContent xmlns:mc="http://schemas.openxmlformats.org/markup-compatibility/2006">
+          <mc:Choice xmlns:p14="http://schemas.microsoft.com/office/powerpoint/2010/main" Requires="p14">
+            <p:contentPart p14:bwMode="auto" r:id="rId94">
+              <p14:nvContentPartPr>
+                <p14:cNvPr id="49" name="Ink 48">
+                  <a:extLst>
+                    <a:ext uri="{FF2B5EF4-FFF2-40B4-BE49-F238E27FC236}">
+                      <a16:creationId xmlns:a16="http://schemas.microsoft.com/office/drawing/2014/main" id="{21C42784-9A00-4B67-937B-857377DB6EA8}"/>
+                    </a:ext>
+                  </a:extLst>
+                </p14:cNvPr>
+                <p14:cNvContentPartPr/>
+                <p14:nvPr/>
+              </p14:nvContentPartPr>
+              <p14:xfrm>
+                <a:off x="1358700" y="3775480"/>
+                <a:ext cx="383040" cy="369360"/>
+              </p14:xfrm>
+            </p:contentPart>
+          </mc:Choice>
+          <mc:Fallback>
+            <p:pic>
+              <p:nvPicPr>
+                <p:cNvPr id="49" name="Ink 48">
+                  <a:extLst>
+                    <a:ext uri="{FF2B5EF4-FFF2-40B4-BE49-F238E27FC236}">
+                      <a16:creationId xmlns:a16="http://schemas.microsoft.com/office/drawing/2014/main" id="{21C42784-9A00-4B67-937B-857377DB6EA8}"/>
+                    </a:ext>
+                  </a:extLst>
+                </p:cNvPr>
+                <p:cNvPicPr/>
+                <p:nvPr/>
+              </p:nvPicPr>
+              <p:blipFill>
+                <a:blip r:embed="rId95"/>
+                <a:stretch>
+                  <a:fillRect/>
+                </a:stretch>
+              </p:blipFill>
+              <p:spPr>
+                <a:xfrm>
+                  <a:off x="1349700" y="3766840"/>
+                  <a:ext cx="400680" cy="387000"/>
+                </a:xfrm>
+                <a:prstGeom prst="rect">
+                  <a:avLst/>
+                </a:prstGeom>
+              </p:spPr>
+            </p:pic>
+          </mc:Fallback>
+        </mc:AlternateContent>
+        <mc:AlternateContent xmlns:mc="http://schemas.openxmlformats.org/markup-compatibility/2006">
+          <mc:Choice xmlns:p14="http://schemas.microsoft.com/office/powerpoint/2010/main" Requires="p14">
+            <p:contentPart p14:bwMode="auto" r:id="rId96">
+              <p14:nvContentPartPr>
+                <p14:cNvPr id="53" name="Ink 52">
+                  <a:extLst>
+                    <a:ext uri="{FF2B5EF4-FFF2-40B4-BE49-F238E27FC236}">
+                      <a16:creationId xmlns:a16="http://schemas.microsoft.com/office/drawing/2014/main" id="{B05FEC46-5D41-4218-9664-3C5249769E60}"/>
+                    </a:ext>
+                  </a:extLst>
+                </p14:cNvPr>
+                <p14:cNvContentPartPr/>
+                <p14:nvPr/>
+              </p14:nvContentPartPr>
+              <p14:xfrm>
+                <a:off x="1054860" y="3644800"/>
+                <a:ext cx="304200" cy="415800"/>
+              </p14:xfrm>
+            </p:contentPart>
+          </mc:Choice>
+          <mc:Fallback>
+            <p:pic>
+              <p:nvPicPr>
+                <p:cNvPr id="53" name="Ink 52">
+                  <a:extLst>
+                    <a:ext uri="{FF2B5EF4-FFF2-40B4-BE49-F238E27FC236}">
+                      <a16:creationId xmlns:a16="http://schemas.microsoft.com/office/drawing/2014/main" id="{B05FEC46-5D41-4218-9664-3C5249769E60}"/>
+                    </a:ext>
+                  </a:extLst>
+                </p:cNvPr>
+                <p:cNvPicPr/>
+                <p:nvPr/>
+              </p:nvPicPr>
+              <p:blipFill>
+                <a:blip r:embed="rId97"/>
+                <a:stretch>
+                  <a:fillRect/>
+                </a:stretch>
+              </p:blipFill>
+              <p:spPr>
+                <a:xfrm>
+                  <a:off x="1045860" y="3636160"/>
+                  <a:ext cx="321840" cy="433440"/>
+                </a:xfrm>
+                <a:prstGeom prst="rect">
+                  <a:avLst/>
+                </a:prstGeom>
+              </p:spPr>
+            </p:pic>
+          </mc:Fallback>
+        </mc:AlternateContent>
+      </p:grpSp>
+      <p:grpSp>
+        <p:nvGrpSpPr>
+          <p:cNvPr id="61" name="Group 60">
+            <a:extLst>
+              <a:ext uri="{FF2B5EF4-FFF2-40B4-BE49-F238E27FC236}">
+                <a16:creationId xmlns:a16="http://schemas.microsoft.com/office/drawing/2014/main" id="{7EEA26A6-BAD9-4A10-B3B4-D3389A915EA9}"/>
+              </a:ext>
+            </a:extLst>
+          </p:cNvPr>
+          <p:cNvGrpSpPr/>
+          <p:nvPr/>
+        </p:nvGrpSpPr>
+        <p:grpSpPr>
+          <a:xfrm>
+            <a:off x="1168260" y="2196520"/>
+            <a:ext cx="620280" cy="629280"/>
+            <a:chOff x="1168260" y="2196520"/>
+            <a:chExt cx="620280" cy="629280"/>
+          </a:xfrm>
+        </p:grpSpPr>
+        <mc:AlternateContent xmlns:mc="http://schemas.openxmlformats.org/markup-compatibility/2006">
+          <mc:Choice xmlns:p14="http://schemas.microsoft.com/office/powerpoint/2010/main" Requires="p14">
+            <p:contentPart p14:bwMode="auto" r:id="rId98">
+              <p14:nvContentPartPr>
+                <p14:cNvPr id="56" name="Ink 55">
+                  <a:extLst>
+                    <a:ext uri="{FF2B5EF4-FFF2-40B4-BE49-F238E27FC236}">
+                      <a16:creationId xmlns:a16="http://schemas.microsoft.com/office/drawing/2014/main" id="{5A7BE61B-5CEA-4413-84B5-60210B5C0579}"/>
+                    </a:ext>
+                  </a:extLst>
+                </p14:cNvPr>
+                <p14:cNvContentPartPr/>
+                <p14:nvPr/>
+              </p14:nvContentPartPr>
+              <p14:xfrm>
+                <a:off x="1638060" y="2247640"/>
+                <a:ext cx="360" cy="138960"/>
+              </p14:xfrm>
+            </p:contentPart>
+          </mc:Choice>
+          <mc:Fallback>
+            <p:pic>
+              <p:nvPicPr>
+                <p:cNvPr id="56" name="Ink 55">
+                  <a:extLst>
+                    <a:ext uri="{FF2B5EF4-FFF2-40B4-BE49-F238E27FC236}">
+                      <a16:creationId xmlns:a16="http://schemas.microsoft.com/office/drawing/2014/main" id="{5A7BE61B-5CEA-4413-84B5-60210B5C0579}"/>
+                    </a:ext>
+                  </a:extLst>
+                </p:cNvPr>
+                <p:cNvPicPr/>
+                <p:nvPr/>
+              </p:nvPicPr>
+              <p:blipFill>
+                <a:blip r:embed="rId99"/>
+                <a:stretch>
+                  <a:fillRect/>
+                </a:stretch>
+              </p:blipFill>
+              <p:spPr>
+                <a:xfrm>
+                  <a:off x="1629060" y="2238640"/>
+                  <a:ext cx="18000" cy="156600"/>
+                </a:xfrm>
+                <a:prstGeom prst="rect">
+                  <a:avLst/>
+                </a:prstGeom>
+              </p:spPr>
+            </p:pic>
+          </mc:Fallback>
+        </mc:AlternateContent>
+        <mc:AlternateContent xmlns:mc="http://schemas.openxmlformats.org/markup-compatibility/2006">
+          <mc:Choice xmlns:p14="http://schemas.microsoft.com/office/powerpoint/2010/main" Requires="p14">
+            <p:contentPart p14:bwMode="auto" r:id="rId100">
+              <p14:nvContentPartPr>
+                <p14:cNvPr id="57" name="Ink 56">
+                  <a:extLst>
+                    <a:ext uri="{FF2B5EF4-FFF2-40B4-BE49-F238E27FC236}">
+                      <a16:creationId xmlns:a16="http://schemas.microsoft.com/office/drawing/2014/main" id="{DBB1BC07-6E9D-4188-A797-43020A7AC595}"/>
+                    </a:ext>
+                  </a:extLst>
+                </p14:cNvPr>
+                <p14:cNvContentPartPr/>
+                <p14:nvPr/>
+              </p14:nvContentPartPr>
+              <p14:xfrm>
+                <a:off x="1638060" y="2196520"/>
+                <a:ext cx="14040" cy="304200"/>
+              </p14:xfrm>
+            </p:contentPart>
+          </mc:Choice>
+          <mc:Fallback>
+            <p:pic>
+              <p:nvPicPr>
+                <p:cNvPr id="57" name="Ink 56">
+                  <a:extLst>
+                    <a:ext uri="{FF2B5EF4-FFF2-40B4-BE49-F238E27FC236}">
+                      <a16:creationId xmlns:a16="http://schemas.microsoft.com/office/drawing/2014/main" id="{DBB1BC07-6E9D-4188-A797-43020A7AC595}"/>
+                    </a:ext>
+                  </a:extLst>
+                </p:cNvPr>
+                <p:cNvPicPr/>
+                <p:nvPr/>
+              </p:nvPicPr>
+              <p:blipFill>
+                <a:blip r:embed="rId101"/>
+                <a:stretch>
+                  <a:fillRect/>
+                </a:stretch>
+              </p:blipFill>
+              <p:spPr>
+                <a:xfrm>
+                  <a:off x="1629060" y="2187880"/>
+                  <a:ext cx="31680" cy="321840"/>
+                </a:xfrm>
+                <a:prstGeom prst="rect">
+                  <a:avLst/>
+                </a:prstGeom>
+              </p:spPr>
+            </p:pic>
+          </mc:Fallback>
+        </mc:AlternateContent>
+        <mc:AlternateContent xmlns:mc="http://schemas.openxmlformats.org/markup-compatibility/2006">
+          <mc:Choice xmlns:p14="http://schemas.microsoft.com/office/powerpoint/2010/main" Requires="p14">
+            <p:contentPart p14:bwMode="auto" r:id="rId102">
+              <p14:nvContentPartPr>
+                <p14:cNvPr id="58" name="Ink 57">
+                  <a:extLst>
+                    <a:ext uri="{FF2B5EF4-FFF2-40B4-BE49-F238E27FC236}">
+                      <a16:creationId xmlns:a16="http://schemas.microsoft.com/office/drawing/2014/main" id="{72517724-6128-443B-8AD3-CAE8AB888D5F}"/>
+                    </a:ext>
+                  </a:extLst>
+                </p14:cNvPr>
+                <p14:cNvContentPartPr/>
+                <p14:nvPr/>
+              </p14:nvContentPartPr>
+              <p14:xfrm>
+                <a:off x="1574700" y="2323960"/>
+                <a:ext cx="213840" cy="12600"/>
+              </p14:xfrm>
+            </p:contentPart>
+          </mc:Choice>
+          <mc:Fallback>
+            <p:pic>
+              <p:nvPicPr>
+                <p:cNvPr id="58" name="Ink 57">
+                  <a:extLst>
+                    <a:ext uri="{FF2B5EF4-FFF2-40B4-BE49-F238E27FC236}">
+                      <a16:creationId xmlns:a16="http://schemas.microsoft.com/office/drawing/2014/main" id="{72517724-6128-443B-8AD3-CAE8AB888D5F}"/>
+                    </a:ext>
+                  </a:extLst>
+                </p:cNvPr>
+                <p:cNvPicPr/>
+                <p:nvPr/>
+              </p:nvPicPr>
+              <p:blipFill>
+                <a:blip r:embed="rId103"/>
+                <a:stretch>
+                  <a:fillRect/>
+                </a:stretch>
+              </p:blipFill>
+              <p:spPr>
+                <a:xfrm>
+                  <a:off x="1565700" y="2315320"/>
+                  <a:ext cx="231480" cy="30240"/>
+                </a:xfrm>
+                <a:prstGeom prst="rect">
+                  <a:avLst/>
+                </a:prstGeom>
+              </p:spPr>
+            </p:pic>
+          </mc:Fallback>
+        </mc:AlternateContent>
+        <mc:AlternateContent xmlns:mc="http://schemas.openxmlformats.org/markup-compatibility/2006">
+          <mc:Choice xmlns:p14="http://schemas.microsoft.com/office/powerpoint/2010/main" Requires="p14">
+            <p:contentPart p14:bwMode="auto" r:id="rId104">
+              <p14:nvContentPartPr>
+                <p14:cNvPr id="59" name="Ink 58">
+                  <a:extLst>
+                    <a:ext uri="{FF2B5EF4-FFF2-40B4-BE49-F238E27FC236}">
+                      <a16:creationId xmlns:a16="http://schemas.microsoft.com/office/drawing/2014/main" id="{386A1862-3F2E-4B3E-B94C-340934D1F082}"/>
+                    </a:ext>
+                  </a:extLst>
+                </p14:cNvPr>
+                <p14:cNvContentPartPr/>
+                <p14:nvPr/>
+              </p14:nvContentPartPr>
+              <p14:xfrm>
+                <a:off x="1213980" y="2654080"/>
+                <a:ext cx="18000" cy="171720"/>
+              </p14:xfrm>
+            </p:contentPart>
+          </mc:Choice>
+          <mc:Fallback>
+            <p:pic>
+              <p:nvPicPr>
+                <p:cNvPr id="59" name="Ink 58">
+                  <a:extLst>
+                    <a:ext uri="{FF2B5EF4-FFF2-40B4-BE49-F238E27FC236}">
+                      <a16:creationId xmlns:a16="http://schemas.microsoft.com/office/drawing/2014/main" id="{386A1862-3F2E-4B3E-B94C-340934D1F082}"/>
+                    </a:ext>
+                  </a:extLst>
+                </p:cNvPr>
+                <p:cNvPicPr/>
+                <p:nvPr/>
+              </p:nvPicPr>
+              <p:blipFill>
+                <a:blip r:embed="rId105"/>
+                <a:stretch>
+                  <a:fillRect/>
+                </a:stretch>
+              </p:blipFill>
+              <p:spPr>
+                <a:xfrm>
+                  <a:off x="1204980" y="2645080"/>
+                  <a:ext cx="35640" cy="189360"/>
+                </a:xfrm>
+                <a:prstGeom prst="rect">
+                  <a:avLst/>
+                </a:prstGeom>
+              </p:spPr>
+            </p:pic>
+          </mc:Fallback>
+        </mc:AlternateContent>
+        <mc:AlternateContent xmlns:mc="http://schemas.openxmlformats.org/markup-compatibility/2006">
+          <mc:Choice xmlns:p14="http://schemas.microsoft.com/office/powerpoint/2010/main" Requires="p14">
+            <p:contentPart p14:bwMode="auto" r:id="rId106">
+              <p14:nvContentPartPr>
+                <p14:cNvPr id="60" name="Ink 59">
+                  <a:extLst>
+                    <a:ext uri="{FF2B5EF4-FFF2-40B4-BE49-F238E27FC236}">
+                      <a16:creationId xmlns:a16="http://schemas.microsoft.com/office/drawing/2014/main" id="{BF14C5E5-6003-42A0-A0E7-4C7A9EC2F8A0}"/>
+                    </a:ext>
+                  </a:extLst>
+                </p14:cNvPr>
+                <p14:cNvContentPartPr/>
+                <p14:nvPr/>
+              </p14:nvContentPartPr>
+              <p14:xfrm>
+                <a:off x="1168260" y="2717440"/>
+                <a:ext cx="147240" cy="360"/>
+              </p14:xfrm>
+            </p:contentPart>
+          </mc:Choice>
+          <mc:Fallback>
+            <p:pic>
+              <p:nvPicPr>
+                <p:cNvPr id="60" name="Ink 59">
+                  <a:extLst>
+                    <a:ext uri="{FF2B5EF4-FFF2-40B4-BE49-F238E27FC236}">
+                      <a16:creationId xmlns:a16="http://schemas.microsoft.com/office/drawing/2014/main" id="{BF14C5E5-6003-42A0-A0E7-4C7A9EC2F8A0}"/>
+                    </a:ext>
+                  </a:extLst>
+                </p:cNvPr>
+                <p:cNvPicPr/>
+                <p:nvPr/>
+              </p:nvPicPr>
+              <p:blipFill>
+                <a:blip r:embed="rId107"/>
+                <a:stretch>
+                  <a:fillRect/>
+                </a:stretch>
+              </p:blipFill>
+              <p:spPr>
+                <a:xfrm>
+                  <a:off x="1159260" y="2708440"/>
+                  <a:ext cx="164880" cy="18000"/>
+                </a:xfrm>
+                <a:prstGeom prst="rect">
+                  <a:avLst/>
+                </a:prstGeom>
+              </p:spPr>
+            </p:pic>
+          </mc:Fallback>
+        </mc:AlternateContent>
+      </p:grpSp>
+      <p:grpSp>
+        <p:nvGrpSpPr>
+          <p:cNvPr id="67" name="Group 66">
+            <a:extLst>
+              <a:ext uri="{FF2B5EF4-FFF2-40B4-BE49-F238E27FC236}">
+                <a16:creationId xmlns:a16="http://schemas.microsoft.com/office/drawing/2014/main" id="{22802C3C-05C0-4F21-BF98-0A4A98502848}"/>
+              </a:ext>
+            </a:extLst>
+          </p:cNvPr>
+          <p:cNvGrpSpPr/>
+          <p:nvPr/>
+        </p:nvGrpSpPr>
+        <p:grpSpPr>
+          <a:xfrm>
+            <a:off x="647340" y="329920"/>
+            <a:ext cx="1435680" cy="510840"/>
+            <a:chOff x="647340" y="329920"/>
+            <a:chExt cx="1435680" cy="510840"/>
+          </a:xfrm>
+        </p:grpSpPr>
+        <mc:AlternateContent xmlns:mc="http://schemas.openxmlformats.org/markup-compatibility/2006">
+          <mc:Choice xmlns:p14="http://schemas.microsoft.com/office/powerpoint/2010/main" Requires="p14">
+            <p:contentPart p14:bwMode="auto" r:id="rId108">
+              <p14:nvContentPartPr>
+                <p14:cNvPr id="62" name="Ink 61">
+                  <a:extLst>
+                    <a:ext uri="{FF2B5EF4-FFF2-40B4-BE49-F238E27FC236}">
+                      <a16:creationId xmlns:a16="http://schemas.microsoft.com/office/drawing/2014/main" id="{23029FD1-EE18-4657-83A1-C2702E782238}"/>
+                    </a:ext>
+                  </a:extLst>
+                </p14:cNvPr>
+                <p14:cNvContentPartPr/>
+                <p14:nvPr/>
+              </p14:nvContentPartPr>
+              <p14:xfrm>
+                <a:off x="647340" y="442960"/>
+                <a:ext cx="420480" cy="385560"/>
+              </p14:xfrm>
+            </p:contentPart>
+          </mc:Choice>
+          <mc:Fallback>
+            <p:pic>
+              <p:nvPicPr>
+                <p:cNvPr id="62" name="Ink 61">
+                  <a:extLst>
+                    <a:ext uri="{FF2B5EF4-FFF2-40B4-BE49-F238E27FC236}">
+                      <a16:creationId xmlns:a16="http://schemas.microsoft.com/office/drawing/2014/main" id="{23029FD1-EE18-4657-83A1-C2702E782238}"/>
+                    </a:ext>
+                  </a:extLst>
+                </p:cNvPr>
+                <p:cNvPicPr/>
+                <p:nvPr/>
+              </p:nvPicPr>
+              <p:blipFill>
+                <a:blip r:embed="rId109"/>
+                <a:stretch>
+                  <a:fillRect/>
+                </a:stretch>
+              </p:blipFill>
+              <p:spPr>
+                <a:xfrm>
+                  <a:off x="638340" y="433960"/>
+                  <a:ext cx="438120" cy="403200"/>
+                </a:xfrm>
+                <a:prstGeom prst="rect">
+                  <a:avLst/>
+                </a:prstGeom>
+              </p:spPr>
+            </p:pic>
+          </mc:Fallback>
+        </mc:AlternateContent>
+        <mc:AlternateContent xmlns:mc="http://schemas.openxmlformats.org/markup-compatibility/2006">
+          <mc:Choice xmlns:p14="http://schemas.microsoft.com/office/powerpoint/2010/main" Requires="p14">
+            <p:contentPart p14:bwMode="auto" r:id="rId110">
+              <p14:nvContentPartPr>
+                <p14:cNvPr id="63" name="Ink 62">
+                  <a:extLst>
+                    <a:ext uri="{FF2B5EF4-FFF2-40B4-BE49-F238E27FC236}">
+                      <a16:creationId xmlns:a16="http://schemas.microsoft.com/office/drawing/2014/main" id="{92032C47-AEA9-474B-AE08-096976AC4AC9}"/>
+                    </a:ext>
+                  </a:extLst>
+                </p14:cNvPr>
+                <p14:cNvContentPartPr/>
+                <p14:nvPr/>
+              </p14:nvContentPartPr>
+              <p14:xfrm>
+                <a:off x="1079340" y="410920"/>
+                <a:ext cx="263880" cy="351000"/>
+              </p14:xfrm>
+            </p:contentPart>
+          </mc:Choice>
+          <mc:Fallback>
+            <p:pic>
+              <p:nvPicPr>
+                <p:cNvPr id="63" name="Ink 62">
+                  <a:extLst>
+                    <a:ext uri="{FF2B5EF4-FFF2-40B4-BE49-F238E27FC236}">
+                      <a16:creationId xmlns:a16="http://schemas.microsoft.com/office/drawing/2014/main" id="{92032C47-AEA9-474B-AE08-096976AC4AC9}"/>
+                    </a:ext>
+                  </a:extLst>
+                </p:cNvPr>
+                <p:cNvPicPr/>
+                <p:nvPr/>
+              </p:nvPicPr>
+              <p:blipFill>
+                <a:blip r:embed="rId111"/>
+                <a:stretch>
+                  <a:fillRect/>
+                </a:stretch>
+              </p:blipFill>
+              <p:spPr>
+                <a:xfrm>
+                  <a:off x="1070340" y="402280"/>
+                  <a:ext cx="281520" cy="368640"/>
+                </a:xfrm>
+                <a:prstGeom prst="rect">
+                  <a:avLst/>
+                </a:prstGeom>
+              </p:spPr>
+            </p:pic>
+          </mc:Fallback>
+        </mc:AlternateContent>
+        <mc:AlternateContent xmlns:mc="http://schemas.openxmlformats.org/markup-compatibility/2006">
+          <mc:Choice xmlns:p14="http://schemas.microsoft.com/office/powerpoint/2010/main" Requires="p14">
+            <p:contentPart p14:bwMode="auto" r:id="rId112">
+              <p14:nvContentPartPr>
+                <p14:cNvPr id="64" name="Ink 63">
+                  <a:extLst>
+                    <a:ext uri="{FF2B5EF4-FFF2-40B4-BE49-F238E27FC236}">
+                      <a16:creationId xmlns:a16="http://schemas.microsoft.com/office/drawing/2014/main" id="{44EA4AEE-D291-43F8-BBDA-E142BA1F66D9}"/>
+                    </a:ext>
+                  </a:extLst>
+                </p14:cNvPr>
+                <p14:cNvContentPartPr/>
+                <p14:nvPr/>
+              </p14:nvContentPartPr>
+              <p14:xfrm>
+                <a:off x="1219020" y="617200"/>
+                <a:ext cx="156600" cy="15120"/>
+              </p14:xfrm>
+            </p:contentPart>
+          </mc:Choice>
+          <mc:Fallback>
+            <p:pic>
+              <p:nvPicPr>
+                <p:cNvPr id="64" name="Ink 63">
+                  <a:extLst>
+                    <a:ext uri="{FF2B5EF4-FFF2-40B4-BE49-F238E27FC236}">
+                      <a16:creationId xmlns:a16="http://schemas.microsoft.com/office/drawing/2014/main" id="{44EA4AEE-D291-43F8-BBDA-E142BA1F66D9}"/>
+                    </a:ext>
+                  </a:extLst>
+                </p:cNvPr>
+                <p:cNvPicPr/>
+                <p:nvPr/>
+              </p:nvPicPr>
+              <p:blipFill>
+                <a:blip r:embed="rId113"/>
+                <a:stretch>
+                  <a:fillRect/>
+                </a:stretch>
+              </p:blipFill>
+              <p:spPr>
+                <a:xfrm>
+                  <a:off x="1210020" y="608560"/>
+                  <a:ext cx="174240" cy="32760"/>
+                </a:xfrm>
+                <a:prstGeom prst="rect">
+                  <a:avLst/>
+                </a:prstGeom>
+              </p:spPr>
+            </p:pic>
+          </mc:Fallback>
+        </mc:AlternateContent>
+        <mc:AlternateContent xmlns:mc="http://schemas.openxmlformats.org/markup-compatibility/2006">
+          <mc:Choice xmlns:p14="http://schemas.microsoft.com/office/powerpoint/2010/main" Requires="p14">
+            <p:contentPart p14:bwMode="auto" r:id="rId114">
+              <p14:nvContentPartPr>
+                <p14:cNvPr id="65" name="Ink 64">
+                  <a:extLst>
+                    <a:ext uri="{FF2B5EF4-FFF2-40B4-BE49-F238E27FC236}">
+                      <a16:creationId xmlns:a16="http://schemas.microsoft.com/office/drawing/2014/main" id="{7B4CC54C-E374-4D1C-9BE5-84A4466A131A}"/>
+                    </a:ext>
+                  </a:extLst>
+                </p14:cNvPr>
+                <p14:cNvContentPartPr/>
+                <p14:nvPr/>
+              </p14:nvContentPartPr>
+              <p14:xfrm>
+                <a:off x="1319460" y="329920"/>
+                <a:ext cx="356760" cy="510840"/>
+              </p14:xfrm>
+            </p:contentPart>
+          </mc:Choice>
+          <mc:Fallback>
+            <p:pic>
+              <p:nvPicPr>
+                <p:cNvPr id="65" name="Ink 64">
+                  <a:extLst>
+                    <a:ext uri="{FF2B5EF4-FFF2-40B4-BE49-F238E27FC236}">
+                      <a16:creationId xmlns:a16="http://schemas.microsoft.com/office/drawing/2014/main" id="{7B4CC54C-E374-4D1C-9BE5-84A4466A131A}"/>
+                    </a:ext>
+                  </a:extLst>
+                </p:cNvPr>
+                <p:cNvPicPr/>
+                <p:nvPr/>
+              </p:nvPicPr>
+              <p:blipFill>
+                <a:blip r:embed="rId115"/>
+                <a:stretch>
+                  <a:fillRect/>
+                </a:stretch>
+              </p:blipFill>
+              <p:spPr>
+                <a:xfrm>
+                  <a:off x="1310460" y="320920"/>
+                  <a:ext cx="374400" cy="528480"/>
+                </a:xfrm>
+                <a:prstGeom prst="rect">
+                  <a:avLst/>
+                </a:prstGeom>
+              </p:spPr>
+            </p:pic>
+          </mc:Fallback>
+        </mc:AlternateContent>
+        <mc:AlternateContent xmlns:mc="http://schemas.openxmlformats.org/markup-compatibility/2006">
+          <mc:Choice xmlns:p14="http://schemas.microsoft.com/office/powerpoint/2010/main" Requires="p14">
+            <p:contentPart p14:bwMode="auto" r:id="rId116">
+              <p14:nvContentPartPr>
+                <p14:cNvPr id="66" name="Ink 65">
+                  <a:extLst>
+                    <a:ext uri="{FF2B5EF4-FFF2-40B4-BE49-F238E27FC236}">
+                      <a16:creationId xmlns:a16="http://schemas.microsoft.com/office/drawing/2014/main" id="{7E8AAE37-C545-4D7A-85A8-3C165583AF33}"/>
+                    </a:ext>
+                  </a:extLst>
+                </p14:cNvPr>
+                <p14:cNvContentPartPr/>
+                <p14:nvPr/>
+              </p14:nvContentPartPr>
+              <p14:xfrm>
+                <a:off x="1816980" y="342520"/>
+                <a:ext cx="266040" cy="404640"/>
+              </p14:xfrm>
+            </p:contentPart>
+          </mc:Choice>
+          <mc:Fallback>
+            <p:pic>
+              <p:nvPicPr>
+                <p:cNvPr id="66" name="Ink 65">
+                  <a:extLst>
+                    <a:ext uri="{FF2B5EF4-FFF2-40B4-BE49-F238E27FC236}">
+                      <a16:creationId xmlns:a16="http://schemas.microsoft.com/office/drawing/2014/main" id="{7E8AAE37-C545-4D7A-85A8-3C165583AF33}"/>
+                    </a:ext>
+                  </a:extLst>
+                </p:cNvPr>
+                <p:cNvPicPr/>
+                <p:nvPr/>
+              </p:nvPicPr>
+              <p:blipFill>
+                <a:blip r:embed="rId117"/>
+                <a:stretch>
+                  <a:fillRect/>
+                </a:stretch>
+              </p:blipFill>
+              <p:spPr>
+                <a:xfrm>
+                  <a:off x="1807980" y="333520"/>
+                  <a:ext cx="283680" cy="422280"/>
+                </a:xfrm>
+                <a:prstGeom prst="rect">
+                  <a:avLst/>
+                </a:prstGeom>
+              </p:spPr>
+            </p:pic>
+          </mc:Fallback>
+        </mc:AlternateContent>
+      </p:grpSp>
+      <mc:AlternateContent xmlns:mc="http://schemas.openxmlformats.org/markup-compatibility/2006">
+        <mc:Choice xmlns:p14="http://schemas.microsoft.com/office/powerpoint/2010/main" Requires="p14">
+          <p:contentPart p14:bwMode="auto" r:id="rId118">
+            <p14:nvContentPartPr>
+              <p14:cNvPr id="68" name="Ink 67">
+                <a:extLst>
+                  <a:ext uri="{FF2B5EF4-FFF2-40B4-BE49-F238E27FC236}">
+                    <a16:creationId xmlns:a16="http://schemas.microsoft.com/office/drawing/2014/main" id="{2E9C38A7-4EAB-4C60-8A60-C8076F7B2CF6}"/>
+                  </a:ext>
+                </a:extLst>
+              </p14:cNvPr>
+              <p14:cNvContentPartPr/>
+              <p14:nvPr/>
+            </p14:nvContentPartPr>
+            <p14:xfrm>
+              <a:off x="2177340" y="502720"/>
+              <a:ext cx="361080" cy="303120"/>
+            </p14:xfrm>
+          </p:contentPart>
+        </mc:Choice>
+        <mc:Fallback>
+          <p:pic>
+            <p:nvPicPr>
+              <p:cNvPr id="68" name="Ink 67">
+                <a:extLst>
+                  <a:ext uri="{FF2B5EF4-FFF2-40B4-BE49-F238E27FC236}">
+                    <a16:creationId xmlns:a16="http://schemas.microsoft.com/office/drawing/2014/main" id="{2E9C38A7-4EAB-4C60-8A60-C8076F7B2CF6}"/>
+                  </a:ext>
+                </a:extLst>
+              </p:cNvPr>
+              <p:cNvPicPr/>
+              <p:nvPr/>
+            </p:nvPicPr>
+            <p:blipFill>
+              <a:blip r:embed="rId119"/>
+              <a:stretch>
+                <a:fillRect/>
+              </a:stretch>
+            </p:blipFill>
+            <p:spPr>
+              <a:xfrm>
+                <a:off x="2168340" y="494080"/>
+                <a:ext cx="378720" cy="320760"/>
               </a:xfrm>
               <a:prstGeom prst="rect">
                 <a:avLst/>
